--- a/课程PPT/04.JavaScript函数进阶一.pptx
+++ b/课程PPT/04.JavaScript函数进阶一.pptx
@@ -7003,8 +7003,8 @@
         </p:nvSpPr>
         <p:spPr>
           <a:xfrm>
-            <a:off x="5922010" y="6102985"/>
-            <a:ext cx="4570730" cy="429895"/>
+            <a:off x="5539740" y="6102985"/>
+            <a:ext cx="6212840" cy="429895"/>
           </a:xfrm>
           <a:prstGeom prst="rect">
             <a:avLst/>
@@ -7045,7 +7045,27 @@
                 <a:latin typeface="+mn-ea"/>
                 <a:ea typeface="+mn-ea"/>
               </a:rPr>
-              <a:t>追踪</a:t>
+              <a:t>追踪 学会</a:t>
+            </a:r>
+            <a:r>
+              <a:rPr lang="en-US" altLang="zh-CN" sz="2200">
+                <a:solidFill>
+                  <a:srgbClr val="FF0000"/>
+                </a:solidFill>
+                <a:latin typeface="+mn-ea"/>
+                <a:ea typeface="+mn-ea"/>
+              </a:rPr>
+              <a:t>debug</a:t>
+            </a:r>
+            <a:r>
+              <a:rPr lang="zh-CN" altLang="en-US" sz="2200">
+                <a:solidFill>
+                  <a:srgbClr val="FF0000"/>
+                </a:solidFill>
+                <a:latin typeface="+mn-ea"/>
+                <a:ea typeface="+mn-ea"/>
+              </a:rPr>
+              <a:t>调试</a:t>
             </a:r>
             <a:r>
               <a:rPr lang="en-US" altLang="zh-CN" sz="2200">
@@ -12729,8 +12749,8 @@
         </p:nvSpPr>
         <p:spPr>
           <a:xfrm>
-            <a:off x="7483475" y="1050925"/>
-            <a:ext cx="2645410" cy="429895"/>
+            <a:off x="5632450" y="2748915"/>
+            <a:ext cx="4847590" cy="429895"/>
           </a:xfrm>
           <a:prstGeom prst="rect">
             <a:avLst/>
@@ -12761,7 +12781,17 @@
                 <a:latin typeface="+mn-ea"/>
                 <a:ea typeface="+mn-ea"/>
               </a:rPr>
-              <a:t>demo06</a:t>
+              <a:t>demo06 </a:t>
+            </a:r>
+            <a:r>
+              <a:rPr lang="zh-CN" altLang="en-US" sz="2200">
+                <a:solidFill>
+                  <a:srgbClr val="FF0000"/>
+                </a:solidFill>
+                <a:latin typeface="+mn-ea"/>
+                <a:ea typeface="+mn-ea"/>
+              </a:rPr>
+              <a:t>函数对象属性综述</a:t>
             </a:r>
             <a:endParaRPr lang="zh-CN" altLang="en-US" sz="2200">
               <a:solidFill>
@@ -12781,8 +12811,8 @@
         </p:nvSpPr>
         <p:spPr>
           <a:xfrm>
-            <a:off x="7466965" y="3474085"/>
-            <a:ext cx="2645410" cy="429895"/>
+            <a:off x="5632450" y="5172075"/>
+            <a:ext cx="4846955" cy="429895"/>
           </a:xfrm>
           <a:prstGeom prst="rect">
             <a:avLst/>
@@ -12823,9 +12853,19 @@
                 <a:latin typeface="+mn-ea"/>
                 <a:ea typeface="+mn-ea"/>
               </a:rPr>
-              <a:t>7</a:t>
-            </a:r>
-            <a:endParaRPr lang="en-US" sz="2200">
+              <a:t>7 </a:t>
+            </a:r>
+            <a:r>
+              <a:rPr lang="zh-CN" altLang="en-US" sz="2200">
+                <a:solidFill>
+                  <a:srgbClr val="FF0000"/>
+                </a:solidFill>
+                <a:latin typeface="+mn-ea"/>
+                <a:ea typeface="+mn-ea"/>
+              </a:rPr>
+              <a:t>函数对象方法综述</a:t>
+            </a:r>
+            <a:endParaRPr lang="zh-CN" altLang="en-US" sz="2200">
               <a:solidFill>
                 <a:srgbClr val="FF0000"/>
               </a:solidFill>
@@ -23947,119 +23987,7 @@
                 </a:solidFill>
                 <a:sym typeface="+mn-ea"/>
               </a:rPr>
-              <a:t>判断题</a:t>
-            </a:r>
-            <a:r>
-              <a:rPr lang="en-US" altLang="zh-CN" sz="3200" dirty="0" smtClean="0">
-                <a:solidFill>
-                  <a:srgbClr val="000000"/>
-                </a:solidFill>
-                <a:sym typeface="+mn-ea"/>
-              </a:rPr>
-              <a:t>arguments.length</a:t>
-            </a:r>
-            <a:r>
-              <a:rPr lang="zh-CN" altLang="en-US" sz="3200" dirty="0" smtClean="0">
-                <a:solidFill>
-                  <a:srgbClr val="000000"/>
-                </a:solidFill>
-                <a:sym typeface="+mn-ea"/>
-              </a:rPr>
-              <a:t>和函数对象的</a:t>
-            </a:r>
-            <a:r>
-              <a:rPr lang="en-US" altLang="zh-CN" sz="3200" dirty="0" smtClean="0">
-                <a:solidFill>
-                  <a:srgbClr val="000000"/>
-                </a:solidFill>
-                <a:sym typeface="+mn-ea"/>
-              </a:rPr>
-              <a:t>length</a:t>
-            </a:r>
-            <a:r>
-              <a:rPr lang="zh-CN" altLang="en-US" sz="3200" dirty="0" smtClean="0">
-                <a:solidFill>
-                  <a:srgbClr val="000000"/>
-                </a:solidFill>
-                <a:sym typeface="+mn-ea"/>
-              </a:rPr>
-              <a:t>属性，哪一个是实参数量，哪一个是形参数量</a:t>
-            </a:r>
-            <a:endParaRPr lang="zh-CN" altLang="en-US" sz="3200" dirty="0" smtClean="0">
-              <a:solidFill>
-                <a:srgbClr val="000000"/>
-              </a:solidFill>
-              <a:sym typeface="+mn-ea"/>
-            </a:endParaRPr>
-          </a:p>
-          <a:p>
-            <a:pPr>
-              <a:lnSpc>
-                <a:spcPct val="170000"/>
-              </a:lnSpc>
-            </a:pPr>
-            <a:r>
-              <a:rPr lang="zh-CN" sz="3200" dirty="0" smtClean="0">
-                <a:solidFill>
-                  <a:srgbClr val="000000"/>
-                </a:solidFill>
-                <a:sym typeface="+mn-ea"/>
-              </a:rPr>
-              <a:t>写出一个函数，该函数的功能是实现</a:t>
-            </a:r>
-            <a:r>
-              <a:rPr lang="en-US" altLang="zh-CN" sz="3200" dirty="0" smtClean="0">
-                <a:solidFill>
-                  <a:srgbClr val="000000"/>
-                </a:solidFill>
-                <a:sym typeface="+mn-ea"/>
-              </a:rPr>
-              <a:t>0</a:t>
-            </a:r>
-            <a:r>
-              <a:rPr lang="zh-CN" altLang="en-US" sz="3200" dirty="0" smtClean="0">
-                <a:solidFill>
-                  <a:srgbClr val="000000"/>
-                </a:solidFill>
-                <a:sym typeface="+mn-ea"/>
-              </a:rPr>
-              <a:t>到</a:t>
-            </a:r>
-            <a:r>
-              <a:rPr lang="en-US" altLang="zh-CN" sz="3200" dirty="0" smtClean="0">
-                <a:solidFill>
-                  <a:srgbClr val="000000"/>
-                </a:solidFill>
-                <a:sym typeface="+mn-ea"/>
-              </a:rPr>
-              <a:t>20</a:t>
-            </a:r>
-            <a:r>
-              <a:rPr lang="zh-CN" altLang="en-US" sz="3200" dirty="0" smtClean="0">
-                <a:solidFill>
-                  <a:srgbClr val="000000"/>
-                </a:solidFill>
-                <a:sym typeface="+mn-ea"/>
-              </a:rPr>
-              <a:t>之内所有奇数的和（要求使用</a:t>
-            </a:r>
-            <a:r>
-              <a:rPr lang="en-US" altLang="zh-CN" sz="3200" dirty="0" smtClean="0">
-                <a:solidFill>
-                  <a:srgbClr val="000000"/>
-                </a:solidFill>
-                <a:sym typeface="+mn-ea"/>
-              </a:rPr>
-              <a:t>callee</a:t>
-            </a:r>
-            <a:r>
-              <a:rPr lang="zh-CN" altLang="en-US" sz="3200" dirty="0" smtClean="0">
-                <a:solidFill>
-                  <a:srgbClr val="000000"/>
-                </a:solidFill>
-                <a:sym typeface="+mn-ea"/>
-              </a:rPr>
-              <a:t>）</a:t>
+              <a:t>复习本章节课件及练习</a:t>
             </a:r>
             <a:br>
               <a:rPr lang="en-US" altLang="zh-CN" sz="2000" dirty="0" smtClean="0">
@@ -24179,7 +24107,7 @@
           <a:p>
             <a:r>
               <a:rPr kumimoji="0" lang="zh-CN" altLang="en-US" dirty="0"/>
-              <a:t>作业 二：</a:t>
+              <a:t>作业 ：</a:t>
             </a:r>
             <a:endParaRPr kumimoji="0" lang="zh-CN" altLang="en-US" dirty="0"/>
           </a:p>
@@ -24707,8 +24635,8 @@
         </p:nvSpPr>
         <p:spPr>
           <a:xfrm>
-            <a:off x="5281930" y="6031865"/>
-            <a:ext cx="5942330" cy="429895"/>
+            <a:off x="5281930" y="5816600"/>
+            <a:ext cx="5942330" cy="768350"/>
           </a:xfrm>
           <a:prstGeom prst="rect">
             <a:avLst/>
@@ -24750,6 +24678,46 @@
                 <a:ea typeface="+mn-ea"/>
               </a:rPr>
               <a:t>匿名函数与非匿名函数对比</a:t>
+            </a:r>
+            <a:endParaRPr lang="zh-CN" altLang="en-US" sz="2200">
+              <a:solidFill>
+                <a:srgbClr val="FF0000"/>
+              </a:solidFill>
+              <a:latin typeface="+mn-ea"/>
+              <a:ea typeface="+mn-ea"/>
+            </a:endParaRPr>
+          </a:p>
+          <a:p>
+            <a:pPr algn="l"/>
+            <a:r>
+              <a:rPr lang="zh-CN" altLang="en-US" sz="2200">
+                <a:solidFill>
+                  <a:srgbClr val="FF0000"/>
+                </a:solidFill>
+                <a:latin typeface="+mn-ea"/>
+                <a:ea typeface="+mn-ea"/>
+              </a:rPr>
+              <a:t>查看</a:t>
+            </a:r>
+            <a:r>
+              <a:rPr lang="en-US" altLang="zh-CN" sz="2200">
+                <a:solidFill>
+                  <a:srgbClr val="FF0000"/>
+                </a:solidFill>
+                <a:latin typeface="+mn-ea"/>
+                <a:ea typeface="+mn-ea"/>
+              </a:rPr>
+              <a:t>Node.js</a:t>
+            </a:r>
+            <a:r>
+              <a:rPr lang="zh-CN" altLang="en-US" sz="2200">
+                <a:solidFill>
+                  <a:srgbClr val="FF0000"/>
+                </a:solidFill>
+                <a:latin typeface="+mn-ea"/>
+                <a:ea typeface="+mn-ea"/>
+              </a:rPr>
+              <a:t>读取文件和配置函数对象实例</a:t>
             </a:r>
             <a:endParaRPr lang="zh-CN" altLang="en-US" sz="2200">
               <a:solidFill>
@@ -25932,8 +25900,8 @@
         </p:nvSpPr>
         <p:spPr>
           <a:xfrm>
-            <a:off x="5737225" y="6149975"/>
-            <a:ext cx="3763010" cy="429895"/>
+            <a:off x="4986655" y="6149975"/>
+            <a:ext cx="6697345" cy="429895"/>
           </a:xfrm>
           <a:prstGeom prst="rect">
             <a:avLst/>
@@ -25964,7 +25932,7 @@
                 <a:latin typeface="+mn-ea"/>
                 <a:ea typeface="+mn-ea"/>
               </a:rPr>
-              <a:t>demo02 </a:t>
+              <a:t>demo02 Part1</a:t>
             </a:r>
             <a:r>
               <a:rPr lang="zh-CN" altLang="en-US" sz="2200">
@@ -25974,7 +25942,7 @@
                 <a:latin typeface="+mn-ea"/>
                 <a:ea typeface="+mn-ea"/>
               </a:rPr>
-              <a:t>前半部分</a:t>
+              <a:t> 函数嵌套情况下的调用</a:t>
             </a:r>
             <a:endParaRPr lang="zh-CN" altLang="en-US" sz="2200">
               <a:solidFill>
@@ -27081,7 +27049,7 @@
                 <a:latin typeface="+mn-ea"/>
                 <a:ea typeface="+mn-ea"/>
               </a:rPr>
-              <a:t>demo02 </a:t>
+              <a:t>demo02 Part2</a:t>
             </a:r>
             <a:r>
               <a:rPr lang="zh-CN" altLang="en-US" sz="2200">
@@ -27091,7 +27059,7 @@
                 <a:latin typeface="+mn-ea"/>
                 <a:ea typeface="+mn-ea"/>
               </a:rPr>
-              <a:t>后半部分 </a:t>
+              <a:t> </a:t>
             </a:r>
             <a:r>
               <a:rPr lang="en-US" altLang="zh-CN" sz="2200">

--- a/课程PPT/04.JavaScript函数进阶一.pptx
+++ b/课程PPT/04.JavaScript函数进阶一.pptx
@@ -28,21 +28,23 @@
     <p:sldId id="1301" r:id="rId21"/>
     <p:sldId id="1303" r:id="rId22"/>
     <p:sldId id="1302" r:id="rId23"/>
-    <p:sldId id="1298" r:id="rId24"/>
-    <p:sldId id="1234" r:id="rId25"/>
-    <p:sldId id="1235" r:id="rId26"/>
-    <p:sldId id="1236" r:id="rId27"/>
-    <p:sldId id="1237" r:id="rId28"/>
-    <p:sldId id="1238" r:id="rId29"/>
-    <p:sldId id="1239" r:id="rId30"/>
-    <p:sldId id="1240" r:id="rId31"/>
-    <p:sldId id="1489" r:id="rId32"/>
-    <p:sldId id="1241" r:id="rId33"/>
-    <p:sldId id="1468" r:id="rId34"/>
-    <p:sldId id="1242" r:id="rId35"/>
-    <p:sldId id="1246" r:id="rId36"/>
-    <p:sldId id="1247" r:id="rId37"/>
-    <p:sldId id="1439" r:id="rId38"/>
+    <p:sldId id="1496" r:id="rId24"/>
+    <p:sldId id="1497" r:id="rId25"/>
+    <p:sldId id="1298" r:id="rId26"/>
+    <p:sldId id="1234" r:id="rId27"/>
+    <p:sldId id="1235" r:id="rId28"/>
+    <p:sldId id="1236" r:id="rId29"/>
+    <p:sldId id="1237" r:id="rId30"/>
+    <p:sldId id="1238" r:id="rId31"/>
+    <p:sldId id="1239" r:id="rId32"/>
+    <p:sldId id="1240" r:id="rId33"/>
+    <p:sldId id="1489" r:id="rId34"/>
+    <p:sldId id="1241" r:id="rId35"/>
+    <p:sldId id="1468" r:id="rId36"/>
+    <p:sldId id="1242" r:id="rId37"/>
+    <p:sldId id="1246" r:id="rId38"/>
+    <p:sldId id="1247" r:id="rId39"/>
+    <p:sldId id="1439" r:id="rId40"/>
   </p:sldIdLst>
   <p:sldSz cx="12192000" cy="6858000"/>
   <p:notesSz cx="6797675" cy="9928225"/>
@@ -1352,7 +1354,9 @@
           <a:bodyPr/>
           <a:lstStyle/>
           <a:p>
-            <a:endParaRPr lang="zh-CN" altLang="en-US" dirty="0"/>
+            <a:endParaRPr kumimoji="0" lang="en-US" altLang="zh-CN" dirty="0" smtClean="0">
+              <a:sym typeface="+mn-ea"/>
+            </a:endParaRPr>
           </a:p>
         </p:txBody>
       </p:sp>
@@ -1473,84 +1477,30 @@
         <p:cNvGrpSpPr/>
         <p:nvPr/>
       </p:nvGrpSpPr>
-      <p:grpSpPr>
-        <a:xfrm>
-          <a:off x="0" y="0"/>
-          <a:ext cx="0" cy="0"/>
-          <a:chOff x="0" y="0"/>
-          <a:chExt cx="0" cy="0"/>
-        </a:xfrm>
-      </p:grpSpPr>
+      <p:grpSpPr/>
       <p:sp>
         <p:nvSpPr>
           <p:cNvPr id="2" name="幻灯片图像占位符 1"/>
-          <p:cNvSpPr>
-            <a:spLocks noGrp="1" noRot="1" noChangeAspect="1"/>
-          </p:cNvSpPr>
+          <p:cNvSpPr/>
           <p:nvPr>
-            <p:ph type="sldImg"/>
+            <p:ph type="sldImg" idx="2"/>
           </p:nvPr>
         </p:nvSpPr>
         <p:spPr/>
       </p:sp>
       <p:sp>
         <p:nvSpPr>
-          <p:cNvPr id="3" name="备注占位符 2"/>
-          <p:cNvSpPr>
-            <a:spLocks noGrp="1"/>
-          </p:cNvSpPr>
+          <p:cNvPr id="3" name="文本占位符 2"/>
+          <p:cNvSpPr/>
           <p:nvPr>
-            <p:ph type="body" idx="1"/>
+            <p:ph type="body" idx="3"/>
           </p:nvPr>
         </p:nvSpPr>
         <p:spPr/>
         <p:txBody>
           <a:bodyPr/>
-          <a:lstStyle/>
           <a:p>
-            <a:r>
-              <a:rPr lang="zh-CN" altLang="en-US" dirty="0"/>
-              <a:t>找</a:t>
-            </a:r>
-            <a:r>
-              <a:rPr lang="en-US" altLang="zh-CN" dirty="0"/>
-              <a:t>var</a:t>
-            </a:r>
-            <a:r>
-              <a:rPr lang="zh-CN" altLang="en-US" dirty="0"/>
-              <a:t>和</a:t>
-            </a:r>
-            <a:r>
-              <a:rPr lang="en-US" altLang="zh-CN" dirty="0"/>
-              <a:t>function</a:t>
-            </a:r>
-            <a:r>
-              <a:rPr lang="zh-CN" altLang="en-US" dirty="0"/>
-              <a:t>关键字 ，分块，清晰，去除结果</a:t>
-            </a:r>
-            <a:endParaRPr lang="zh-CN" altLang="en-US" dirty="0"/>
-          </a:p>
-        </p:txBody>
-      </p:sp>
-      <p:sp>
-        <p:nvSpPr>
-          <p:cNvPr id="4" name="灯片编号占位符 3"/>
-          <p:cNvSpPr>
-            <a:spLocks noGrp="1"/>
-          </p:cNvSpPr>
-          <p:nvPr>
-            <p:ph type="sldNum" sz="quarter" idx="10"/>
-          </p:nvPr>
-        </p:nvSpPr>
-        <p:spPr/>
-        <p:txBody>
-          <a:bodyPr/>
-          <a:lstStyle/>
-          <a:p>
-            <a:fld id="{D9AFD278-84AA-4CAA-9049-809825956FE0}" type="slidenum">
-              <a:rPr lang="en-US" altLang="zh-CN" smtClean="0"/>
-            </a:fld>
-            <a:endParaRPr lang="zh-CN" altLang="zh-CN"/>
+            <a:endParaRPr lang="zh-CN" altLang="en-US"/>
           </a:p>
         </p:txBody>
       </p:sp>
@@ -1606,26 +1556,6 @@
           <a:bodyPr/>
           <a:lstStyle/>
           <a:p>
-            <a:r>
-              <a:rPr lang="zh-CN" altLang="en-US" dirty="0"/>
-              <a:t>找</a:t>
-            </a:r>
-            <a:r>
-              <a:rPr lang="en-US" altLang="zh-CN" dirty="0"/>
-              <a:t>var</a:t>
-            </a:r>
-            <a:r>
-              <a:rPr lang="zh-CN" altLang="en-US" dirty="0"/>
-              <a:t>和</a:t>
-            </a:r>
-            <a:r>
-              <a:rPr lang="en-US" altLang="zh-CN" dirty="0"/>
-              <a:t>function</a:t>
-            </a:r>
-            <a:r>
-              <a:rPr lang="zh-CN" altLang="en-US" dirty="0"/>
-              <a:t>关键字 ，分块，清晰，去除结果</a:t>
-            </a:r>
             <a:endParaRPr lang="zh-CN" altLang="en-US" dirty="0"/>
           </a:p>
         </p:txBody>
@@ -1902,7 +1832,23 @@
           <a:p>
             <a:r>
               <a:rPr lang="zh-CN" altLang="en-US" dirty="0"/>
-              <a:t>作用域：变量能够引用、函数能够生效的区域</a:t>
+              <a:t>找</a:t>
+            </a:r>
+            <a:r>
+              <a:rPr lang="en-US" altLang="zh-CN" dirty="0"/>
+              <a:t>var</a:t>
+            </a:r>
+            <a:r>
+              <a:rPr lang="zh-CN" altLang="en-US" dirty="0"/>
+              <a:t>和</a:t>
+            </a:r>
+            <a:r>
+              <a:rPr lang="en-US" altLang="zh-CN" dirty="0"/>
+              <a:t>function</a:t>
+            </a:r>
+            <a:r>
+              <a:rPr lang="zh-CN" altLang="en-US" dirty="0"/>
+              <a:t>关键字 ，分块，清晰，去除结果</a:t>
             </a:r>
             <a:endParaRPr lang="zh-CN" altLang="en-US" dirty="0"/>
           </a:p>
@@ -1982,6 +1928,26 @@
           <a:bodyPr/>
           <a:lstStyle/>
           <a:p>
+            <a:r>
+              <a:rPr lang="zh-CN" altLang="en-US" dirty="0"/>
+              <a:t>找</a:t>
+            </a:r>
+            <a:r>
+              <a:rPr lang="en-US" altLang="zh-CN" dirty="0"/>
+              <a:t>var</a:t>
+            </a:r>
+            <a:r>
+              <a:rPr lang="zh-CN" altLang="en-US" dirty="0"/>
+              <a:t>和</a:t>
+            </a:r>
+            <a:r>
+              <a:rPr lang="en-US" altLang="zh-CN" dirty="0"/>
+              <a:t>function</a:t>
+            </a:r>
+            <a:r>
+              <a:rPr lang="zh-CN" altLang="en-US" dirty="0"/>
+              <a:t>关键字 ，分块，清晰，去除结果</a:t>
+            </a:r>
             <a:endParaRPr lang="zh-CN" altLang="en-US" dirty="0"/>
           </a:p>
         </p:txBody>
@@ -2017,6 +1983,166 @@
 </file>
 
 <file path=ppt/notesSlides/notesSlide26.xml><?xml version="1.0" encoding="utf-8"?>
+<p:notes xmlns:a="http://schemas.openxmlformats.org/drawingml/2006/main" xmlns:r="http://schemas.openxmlformats.org/officeDocument/2006/relationships" xmlns:p="http://schemas.openxmlformats.org/presentationml/2006/main">
+  <p:cSld>
+    <p:spTree>
+      <p:nvGrpSpPr>
+        <p:cNvPr id="1" name=""/>
+        <p:cNvGrpSpPr/>
+        <p:nvPr/>
+      </p:nvGrpSpPr>
+      <p:grpSpPr>
+        <a:xfrm>
+          <a:off x="0" y="0"/>
+          <a:ext cx="0" cy="0"/>
+          <a:chOff x="0" y="0"/>
+          <a:chExt cx="0" cy="0"/>
+        </a:xfrm>
+      </p:grpSpPr>
+      <p:sp>
+        <p:nvSpPr>
+          <p:cNvPr id="2" name="幻灯片图像占位符 1"/>
+          <p:cNvSpPr>
+            <a:spLocks noGrp="1" noRot="1" noChangeAspect="1"/>
+          </p:cNvSpPr>
+          <p:nvPr>
+            <p:ph type="sldImg"/>
+          </p:nvPr>
+        </p:nvSpPr>
+        <p:spPr/>
+      </p:sp>
+      <p:sp>
+        <p:nvSpPr>
+          <p:cNvPr id="3" name="备注占位符 2"/>
+          <p:cNvSpPr>
+            <a:spLocks noGrp="1"/>
+          </p:cNvSpPr>
+          <p:nvPr>
+            <p:ph type="body" idx="1"/>
+          </p:nvPr>
+        </p:nvSpPr>
+        <p:spPr/>
+        <p:txBody>
+          <a:bodyPr/>
+          <a:lstStyle/>
+          <a:p>
+            <a:r>
+              <a:rPr lang="zh-CN" altLang="en-US" dirty="0"/>
+              <a:t>作用域：变量能够引用、函数能够生效的区域</a:t>
+            </a:r>
+            <a:endParaRPr lang="zh-CN" altLang="en-US" dirty="0"/>
+          </a:p>
+        </p:txBody>
+      </p:sp>
+      <p:sp>
+        <p:nvSpPr>
+          <p:cNvPr id="4" name="灯片编号占位符 3"/>
+          <p:cNvSpPr>
+            <a:spLocks noGrp="1"/>
+          </p:cNvSpPr>
+          <p:nvPr>
+            <p:ph type="sldNum" sz="quarter" idx="10"/>
+          </p:nvPr>
+        </p:nvSpPr>
+        <p:spPr/>
+        <p:txBody>
+          <a:bodyPr/>
+          <a:lstStyle/>
+          <a:p>
+            <a:fld id="{D9AFD278-84AA-4CAA-9049-809825956FE0}" type="slidenum">
+              <a:rPr lang="en-US" altLang="zh-CN" smtClean="0"/>
+            </a:fld>
+            <a:endParaRPr lang="zh-CN" altLang="zh-CN"/>
+          </a:p>
+        </p:txBody>
+      </p:sp>
+    </p:spTree>
+  </p:cSld>
+  <p:clrMapOvr>
+    <a:masterClrMapping/>
+  </p:clrMapOvr>
+</p:notes>
+</file>
+
+<file path=ppt/notesSlides/notesSlide27.xml><?xml version="1.0" encoding="utf-8"?>
+<p:notes xmlns:a="http://schemas.openxmlformats.org/drawingml/2006/main" xmlns:r="http://schemas.openxmlformats.org/officeDocument/2006/relationships" xmlns:p="http://schemas.openxmlformats.org/presentationml/2006/main">
+  <p:cSld>
+    <p:spTree>
+      <p:nvGrpSpPr>
+        <p:cNvPr id="1" name=""/>
+        <p:cNvGrpSpPr/>
+        <p:nvPr/>
+      </p:nvGrpSpPr>
+      <p:grpSpPr>
+        <a:xfrm>
+          <a:off x="0" y="0"/>
+          <a:ext cx="0" cy="0"/>
+          <a:chOff x="0" y="0"/>
+          <a:chExt cx="0" cy="0"/>
+        </a:xfrm>
+      </p:grpSpPr>
+      <p:sp>
+        <p:nvSpPr>
+          <p:cNvPr id="2" name="幻灯片图像占位符 1"/>
+          <p:cNvSpPr>
+            <a:spLocks noGrp="1" noRot="1" noChangeAspect="1"/>
+          </p:cNvSpPr>
+          <p:nvPr>
+            <p:ph type="sldImg"/>
+          </p:nvPr>
+        </p:nvSpPr>
+        <p:spPr/>
+      </p:sp>
+      <p:sp>
+        <p:nvSpPr>
+          <p:cNvPr id="3" name="备注占位符 2"/>
+          <p:cNvSpPr>
+            <a:spLocks noGrp="1"/>
+          </p:cNvSpPr>
+          <p:nvPr>
+            <p:ph type="body" idx="1"/>
+          </p:nvPr>
+        </p:nvSpPr>
+        <p:spPr/>
+        <p:txBody>
+          <a:bodyPr/>
+          <a:lstStyle/>
+          <a:p>
+            <a:endParaRPr lang="zh-CN" altLang="en-US" dirty="0"/>
+          </a:p>
+        </p:txBody>
+      </p:sp>
+      <p:sp>
+        <p:nvSpPr>
+          <p:cNvPr id="4" name="灯片编号占位符 3"/>
+          <p:cNvSpPr>
+            <a:spLocks noGrp="1"/>
+          </p:cNvSpPr>
+          <p:nvPr>
+            <p:ph type="sldNum" sz="quarter" idx="10"/>
+          </p:nvPr>
+        </p:nvSpPr>
+        <p:spPr/>
+        <p:txBody>
+          <a:bodyPr/>
+          <a:lstStyle/>
+          <a:p>
+            <a:fld id="{D9AFD278-84AA-4CAA-9049-809825956FE0}" type="slidenum">
+              <a:rPr lang="en-US" altLang="zh-CN" smtClean="0"/>
+            </a:fld>
+            <a:endParaRPr lang="zh-CN" altLang="zh-CN"/>
+          </a:p>
+        </p:txBody>
+      </p:sp>
+    </p:spTree>
+  </p:cSld>
+  <p:clrMapOvr>
+    <a:masterClrMapping/>
+  </p:clrMapOvr>
+</p:notes>
+</file>
+
+<file path=ppt/notesSlides/notesSlide28.xml><?xml version="1.0" encoding="utf-8"?>
 <p:notes xmlns:a="http://schemas.openxmlformats.org/drawingml/2006/main" xmlns:r="http://schemas.openxmlformats.org/officeDocument/2006/relationships" xmlns:p="http://schemas.openxmlformats.org/presentationml/2006/main">
   <p:cSld>
     <p:spTree>
@@ -8162,8 +8288,8 @@
         </p:nvSpPr>
         <p:spPr>
           <a:xfrm>
-            <a:off x="5922010" y="6102985"/>
-            <a:ext cx="4570730" cy="429895"/>
+            <a:off x="5173345" y="6102985"/>
+            <a:ext cx="5901055" cy="429895"/>
           </a:xfrm>
           <a:prstGeom prst="rect">
             <a:avLst/>
@@ -8183,6 +8309,7 @@
                 </a:solidFill>
                 <a:latin typeface="+mn-ea"/>
                 <a:ea typeface="+mn-ea"/>
+                <a:sym typeface="+mn-ea"/>
               </a:rPr>
               <a:t>参见实例</a:t>
             </a:r>
@@ -8193,6 +8320,7 @@
                 </a:solidFill>
                 <a:latin typeface="+mn-ea"/>
                 <a:ea typeface="+mn-ea"/>
+                <a:sym typeface="+mn-ea"/>
               </a:rPr>
               <a:t>demo04  trace</a:t>
             </a:r>
@@ -8203,8 +8331,9 @@
                 </a:solidFill>
                 <a:latin typeface="+mn-ea"/>
                 <a:ea typeface="+mn-ea"/>
-              </a:rPr>
-              <a:t>追踪</a:t>
+                <a:sym typeface="+mn-ea"/>
+              </a:rPr>
+              <a:t>追踪 学会</a:t>
             </a:r>
             <a:r>
               <a:rPr lang="en-US" altLang="zh-CN" sz="2200">
@@ -8213,6 +8342,29 @@
                 </a:solidFill>
                 <a:latin typeface="+mn-ea"/>
                 <a:ea typeface="+mn-ea"/>
+                <a:sym typeface="+mn-ea"/>
+              </a:rPr>
+              <a:t>debug</a:t>
+            </a:r>
+            <a:r>
+              <a:rPr lang="zh-CN" altLang="en-US" sz="2200">
+                <a:solidFill>
+                  <a:srgbClr val="FF0000"/>
+                </a:solidFill>
+                <a:latin typeface="+mn-ea"/>
+                <a:ea typeface="+mn-ea"/>
+                <a:sym typeface="+mn-ea"/>
+              </a:rPr>
+              <a:t>调试</a:t>
+            </a:r>
+            <a:r>
+              <a:rPr lang="en-US" altLang="zh-CN" sz="2200">
+                <a:solidFill>
+                  <a:srgbClr val="FF0000"/>
+                </a:solidFill>
+                <a:latin typeface="+mn-ea"/>
+                <a:ea typeface="+mn-ea"/>
+                <a:sym typeface="+mn-ea"/>
               </a:rPr>
               <a:t> </a:t>
             </a:r>
@@ -10287,6 +10439,34 @@
               </a:rPr>
               <a:t>函数对象的属性及方法</a:t>
             </a:r>
+            <a:endParaRPr lang="zh-CN" altLang="en-US" sz="2800" b="1">
+              <a:solidFill>
+                <a:schemeClr val="tx1"/>
+              </a:solidFill>
+              <a:sym typeface="+mn-ea"/>
+            </a:endParaRPr>
+          </a:p>
+          <a:p>
+            <a:pPr algn="l">
+              <a:lnSpc>
+                <a:spcPct val="150000"/>
+              </a:lnSpc>
+              <a:spcBef>
+                <a:spcPts val="1200"/>
+              </a:spcBef>
+              <a:spcAft>
+                <a:spcPts val="1200"/>
+              </a:spcAft>
+              <a:buClr>
+                <a:srgbClr val="92D050"/>
+              </a:buClr>
+              <a:buFont typeface="Wingdings" panose="05000000000000000000" pitchFamily="2" charset="2"/>
+              <a:buChar char="Ø"/>
+            </a:pPr>
+            <a:r>
+              <a:rPr lang="zh-CN" altLang="en-US" sz="2800" b="1"/>
+              <a:t>高阶函数</a:t>
+            </a:r>
             <a:endParaRPr lang="zh-CN" altLang="en-US" sz="2800" b="1"/>
           </a:p>
         </p:txBody>
@@ -11714,6 +11894,39 @@
               <a:sym typeface="+mn-ea"/>
             </a:endParaRPr>
           </a:p>
+          <a:p>
+            <a:pPr algn="l">
+              <a:lnSpc>
+                <a:spcPct val="150000"/>
+              </a:lnSpc>
+              <a:spcBef>
+                <a:spcPts val="1200"/>
+              </a:spcBef>
+              <a:spcAft>
+                <a:spcPts val="1200"/>
+              </a:spcAft>
+              <a:buClr>
+                <a:srgbClr val="92D050"/>
+              </a:buClr>
+              <a:buFont typeface="Wingdings" panose="05000000000000000000" pitchFamily="2" charset="2"/>
+              <a:buChar char="Ø"/>
+            </a:pPr>
+            <a:r>
+              <a:rPr lang="zh-CN" altLang="en-US" sz="2800" b="1">
+                <a:solidFill>
+                  <a:schemeClr val="tx1"/>
+                </a:solidFill>
+                <a:sym typeface="+mn-ea"/>
+              </a:rPr>
+              <a:t>高阶函数</a:t>
+            </a:r>
+            <a:endParaRPr lang="zh-CN" altLang="en-US" sz="2800" b="1">
+              <a:solidFill>
+                <a:schemeClr val="tx1"/>
+              </a:solidFill>
+              <a:sym typeface="+mn-ea"/>
+            </a:endParaRPr>
+          </a:p>
         </p:txBody>
       </p:sp>
       <p:sp>
@@ -12409,7 +12622,7 @@
                 </a:solidFill>
                 <a:sym typeface="+mn-ea"/>
               </a:rPr>
-              <a:t>- arguments</a:t>
+              <a:t>- length</a:t>
             </a:r>
             <a:r>
               <a:rPr lang="zh-CN" altLang="en-US" sz="2000" dirty="0" smtClean="0">
@@ -12427,7 +12640,7 @@
                 </a:solidFill>
                 <a:sym typeface="+mn-ea"/>
               </a:rPr>
-              <a:t>length</a:t>
+              <a:t>arguments</a:t>
             </a:r>
             <a:br>
               <a:rPr lang="en-US" altLang="zh-CN" sz="2000" dirty="0" smtClean="0">
@@ -12750,7 +12963,7 @@
         <p:spPr>
           <a:xfrm>
             <a:off x="5632450" y="2748915"/>
-            <a:ext cx="4847590" cy="429895"/>
+            <a:ext cx="5687695" cy="429895"/>
           </a:xfrm>
           <a:prstGeom prst="rect">
             <a:avLst/>
@@ -12781,7 +12994,7 @@
                 <a:latin typeface="+mn-ea"/>
                 <a:ea typeface="+mn-ea"/>
               </a:rPr>
-              <a:t>demo06 </a:t>
+              <a:t>demo06 Part1</a:t>
             </a:r>
             <a:r>
               <a:rPr lang="zh-CN" altLang="en-US" sz="2200">
@@ -12812,7 +13025,7 @@
         <p:spPr>
           <a:xfrm>
             <a:off x="5632450" y="5172075"/>
-            <a:ext cx="4846955" cy="429895"/>
+            <a:ext cx="5688330" cy="429895"/>
           </a:xfrm>
           <a:prstGeom prst="rect">
             <a:avLst/>
@@ -12843,7 +13056,7 @@
                 <a:latin typeface="+mn-ea"/>
                 <a:ea typeface="+mn-ea"/>
               </a:rPr>
-              <a:t>demo0</a:t>
+              <a:t>demo06 Part2 </a:t>
             </a:r>
             <a:r>
               <a:rPr lang="en-US" sz="2200">
@@ -12853,7 +13066,7 @@
                 <a:latin typeface="+mn-ea"/>
                 <a:ea typeface="+mn-ea"/>
               </a:rPr>
-              <a:t>7 </a:t>
+              <a:t> </a:t>
             </a:r>
             <a:r>
               <a:rPr lang="zh-CN" altLang="en-US" sz="2200">
@@ -13304,6 +13517,1343 @@
           <a:chExt cx="0" cy="0"/>
         </a:xfrm>
       </p:grpSpPr>
+      <p:sp>
+        <p:nvSpPr>
+          <p:cNvPr id="5123" name="AutoShape 6"/>
+          <p:cNvSpPr>
+            <a:spLocks noChangeArrowheads="1"/>
+          </p:cNvSpPr>
+          <p:nvPr/>
+        </p:nvSpPr>
+        <p:spPr bwMode="auto">
+          <a:xfrm>
+            <a:off x="2566988" y="1339851"/>
+            <a:ext cx="6711950" cy="4214813"/>
+          </a:xfrm>
+          <a:prstGeom prst="roundRect">
+            <a:avLst>
+              <a:gd name="adj" fmla="val 16667"/>
+            </a:avLst>
+          </a:prstGeom>
+          <a:noFill/>
+          <a:ln w="28575">
+            <a:solidFill>
+              <a:srgbClr val="C0C0C0"/>
+            </a:solidFill>
+            <a:prstDash val="sysDot"/>
+            <a:round/>
+          </a:ln>
+          <a:extLst>
+            <a:ext uri="{909E8E84-426E-40DD-AFC4-6F175D3DCCD1}">
+              <a14:hiddenFill xmlns:a14="http://schemas.microsoft.com/office/drawing/2010/main">
+                <a:solidFill>
+                  <a:srgbClr val="FFFFFF"/>
+                </a:solidFill>
+              </a14:hiddenFill>
+            </a:ext>
+          </a:extLst>
+        </p:spPr>
+        <p:txBody>
+          <a:bodyPr wrap="none" anchor="ctr"/>
+          <a:lstStyle>
+            <a:lvl1pPr marL="457200" indent="-457200">
+              <a:defRPr sz="3200">
+                <a:solidFill>
+                  <a:schemeClr val="tx1"/>
+                </a:solidFill>
+                <a:latin typeface="Arial" panose="020B0604020202020204" pitchFamily="34" charset="0"/>
+                <a:ea typeface="微软雅黑" panose="020B0503020204020204" pitchFamily="34" charset="-122"/>
+              </a:defRPr>
+            </a:lvl1pPr>
+            <a:lvl2pPr marL="742950" indent="-285750">
+              <a:defRPr sz="3200">
+                <a:solidFill>
+                  <a:schemeClr val="tx1"/>
+                </a:solidFill>
+                <a:latin typeface="Arial" panose="020B0604020202020204" pitchFamily="34" charset="0"/>
+                <a:ea typeface="微软雅黑" panose="020B0503020204020204" pitchFamily="34" charset="-122"/>
+              </a:defRPr>
+            </a:lvl2pPr>
+            <a:lvl3pPr marL="1143000" indent="-228600">
+              <a:defRPr sz="3200">
+                <a:solidFill>
+                  <a:schemeClr val="tx1"/>
+                </a:solidFill>
+                <a:latin typeface="Arial" panose="020B0604020202020204" pitchFamily="34" charset="0"/>
+                <a:ea typeface="微软雅黑" panose="020B0503020204020204" pitchFamily="34" charset="-122"/>
+              </a:defRPr>
+            </a:lvl3pPr>
+            <a:lvl4pPr marL="1600200" indent="-228600">
+              <a:defRPr sz="3200">
+                <a:solidFill>
+                  <a:schemeClr val="tx1"/>
+                </a:solidFill>
+                <a:latin typeface="Arial" panose="020B0604020202020204" pitchFamily="34" charset="0"/>
+                <a:ea typeface="微软雅黑" panose="020B0503020204020204" pitchFamily="34" charset="-122"/>
+              </a:defRPr>
+            </a:lvl4pPr>
+            <a:lvl5pPr marL="2057400" indent="-228600">
+              <a:defRPr sz="3200">
+                <a:solidFill>
+                  <a:schemeClr val="tx1"/>
+                </a:solidFill>
+                <a:latin typeface="Arial" panose="020B0604020202020204" pitchFamily="34" charset="0"/>
+                <a:ea typeface="微软雅黑" panose="020B0503020204020204" pitchFamily="34" charset="-122"/>
+              </a:defRPr>
+            </a:lvl5pPr>
+            <a:lvl6pPr marL="2514600" indent="-228600" eaLnBrk="0" fontAlgn="base" hangingPunct="0">
+              <a:spcBef>
+                <a:spcPct val="0"/>
+              </a:spcBef>
+              <a:spcAft>
+                <a:spcPct val="0"/>
+              </a:spcAft>
+              <a:defRPr sz="3200">
+                <a:solidFill>
+                  <a:schemeClr val="tx1"/>
+                </a:solidFill>
+                <a:latin typeface="Arial" panose="020B0604020202020204" pitchFamily="34" charset="0"/>
+                <a:ea typeface="微软雅黑" panose="020B0503020204020204" pitchFamily="34" charset="-122"/>
+              </a:defRPr>
+            </a:lvl6pPr>
+            <a:lvl7pPr marL="2971800" indent="-228600" eaLnBrk="0" fontAlgn="base" hangingPunct="0">
+              <a:spcBef>
+                <a:spcPct val="0"/>
+              </a:spcBef>
+              <a:spcAft>
+                <a:spcPct val="0"/>
+              </a:spcAft>
+              <a:defRPr sz="3200">
+                <a:solidFill>
+                  <a:schemeClr val="tx1"/>
+                </a:solidFill>
+                <a:latin typeface="Arial" panose="020B0604020202020204" pitchFamily="34" charset="0"/>
+                <a:ea typeface="微软雅黑" panose="020B0503020204020204" pitchFamily="34" charset="-122"/>
+              </a:defRPr>
+            </a:lvl7pPr>
+            <a:lvl8pPr marL="3429000" indent="-228600" eaLnBrk="0" fontAlgn="base" hangingPunct="0">
+              <a:spcBef>
+                <a:spcPct val="0"/>
+              </a:spcBef>
+              <a:spcAft>
+                <a:spcPct val="0"/>
+              </a:spcAft>
+              <a:defRPr sz="3200">
+                <a:solidFill>
+                  <a:schemeClr val="tx1"/>
+                </a:solidFill>
+                <a:latin typeface="Arial" panose="020B0604020202020204" pitchFamily="34" charset="0"/>
+                <a:ea typeface="微软雅黑" panose="020B0503020204020204" pitchFamily="34" charset="-122"/>
+              </a:defRPr>
+            </a:lvl8pPr>
+            <a:lvl9pPr marL="3886200" indent="-228600" eaLnBrk="0" fontAlgn="base" hangingPunct="0">
+              <a:spcBef>
+                <a:spcPct val="0"/>
+              </a:spcBef>
+              <a:spcAft>
+                <a:spcPct val="0"/>
+              </a:spcAft>
+              <a:defRPr sz="3200">
+                <a:solidFill>
+                  <a:schemeClr val="tx1"/>
+                </a:solidFill>
+                <a:latin typeface="Arial" panose="020B0604020202020204" pitchFamily="34" charset="0"/>
+                <a:ea typeface="微软雅黑" panose="020B0503020204020204" pitchFamily="34" charset="-122"/>
+              </a:defRPr>
+            </a:lvl9pPr>
+          </a:lstStyle>
+          <a:p>
+            <a:pPr algn="l">
+              <a:lnSpc>
+                <a:spcPct val="150000"/>
+              </a:lnSpc>
+              <a:spcBef>
+                <a:spcPts val="1200"/>
+              </a:spcBef>
+              <a:spcAft>
+                <a:spcPts val="1200"/>
+              </a:spcAft>
+              <a:buClr>
+                <a:srgbClr val="92D050"/>
+              </a:buClr>
+              <a:buFont typeface="Wingdings" panose="05000000000000000000" pitchFamily="2" charset="2"/>
+              <a:buChar char="Ø"/>
+            </a:pPr>
+            <a:r>
+              <a:rPr lang="zh-CN" altLang="en-US" sz="2800" b="1">
+                <a:solidFill>
+                  <a:schemeClr val="tx1"/>
+                </a:solidFill>
+                <a:sym typeface="+mn-ea"/>
+              </a:rPr>
+              <a:t>函数对象</a:t>
+            </a:r>
+            <a:endParaRPr lang="zh-CN" altLang="en-US" sz="2800" b="1">
+              <a:solidFill>
+                <a:schemeClr val="tx1"/>
+              </a:solidFill>
+              <a:sym typeface="+mn-ea"/>
+            </a:endParaRPr>
+          </a:p>
+          <a:p>
+            <a:pPr algn="l">
+              <a:lnSpc>
+                <a:spcPct val="150000"/>
+              </a:lnSpc>
+              <a:spcBef>
+                <a:spcPts val="1200"/>
+              </a:spcBef>
+              <a:spcAft>
+                <a:spcPts val="1200"/>
+              </a:spcAft>
+              <a:buClr>
+                <a:srgbClr val="92D050"/>
+              </a:buClr>
+              <a:buFont typeface="Wingdings" panose="05000000000000000000" pitchFamily="2" charset="2"/>
+              <a:buChar char="Ø"/>
+            </a:pPr>
+            <a:r>
+              <a:rPr lang="zh-CN" altLang="en-US" sz="2800" b="1">
+                <a:solidFill>
+                  <a:schemeClr val="tx1"/>
+                </a:solidFill>
+                <a:sym typeface="+mn-ea"/>
+              </a:rPr>
+              <a:t>函数对象的属性及方法</a:t>
+            </a:r>
+            <a:endParaRPr lang="zh-CN" altLang="en-US" sz="2800" b="1">
+              <a:solidFill>
+                <a:schemeClr val="tx1"/>
+              </a:solidFill>
+              <a:sym typeface="+mn-ea"/>
+            </a:endParaRPr>
+          </a:p>
+          <a:p>
+            <a:pPr algn="l">
+              <a:lnSpc>
+                <a:spcPct val="150000"/>
+              </a:lnSpc>
+              <a:spcBef>
+                <a:spcPts val="1200"/>
+              </a:spcBef>
+              <a:spcAft>
+                <a:spcPts val="1200"/>
+              </a:spcAft>
+              <a:buClr>
+                <a:srgbClr val="92D050"/>
+              </a:buClr>
+              <a:buFont typeface="Wingdings" panose="05000000000000000000" pitchFamily="2" charset="2"/>
+              <a:buChar char="Ø"/>
+            </a:pPr>
+            <a:r>
+              <a:rPr lang="zh-CN" altLang="en-US" sz="2800" b="1">
+                <a:solidFill>
+                  <a:srgbClr val="FF0000"/>
+                </a:solidFill>
+                <a:sym typeface="+mn-ea"/>
+              </a:rPr>
+              <a:t>高阶函数</a:t>
+            </a:r>
+            <a:endParaRPr lang="zh-CN" altLang="en-US" sz="2800" b="1">
+              <a:solidFill>
+                <a:srgbClr val="FF0000"/>
+              </a:solidFill>
+              <a:sym typeface="+mn-ea"/>
+            </a:endParaRPr>
+          </a:p>
+        </p:txBody>
+      </p:sp>
+      <p:sp>
+        <p:nvSpPr>
+          <p:cNvPr id="4" name="内容占位符 3"/>
+          <p:cNvSpPr txBox="1"/>
+          <p:nvPr/>
+        </p:nvSpPr>
+        <p:spPr>
+          <a:xfrm>
+            <a:off x="981657" y="236943"/>
+            <a:ext cx="8191557" cy="490476"/>
+          </a:xfrm>
+          <a:prstGeom prst="rect">
+            <a:avLst/>
+          </a:prstGeom>
+        </p:spPr>
+        <p:txBody>
+          <a:bodyPr/>
+          <a:lstStyle>
+            <a:lvl1pPr marL="167005" indent="-167005" algn="l" defTabSz="0" rtl="0" eaLnBrk="0" fontAlgn="base" hangingPunct="0">
+              <a:spcBef>
+                <a:spcPct val="0"/>
+              </a:spcBef>
+              <a:spcAft>
+                <a:spcPct val="15000"/>
+              </a:spcAft>
+              <a:buClr>
+                <a:schemeClr val="tx2"/>
+              </a:buClr>
+              <a:buFont typeface="Arial" panose="020B0604020202020204" pitchFamily="34" charset="0"/>
+              <a:buChar char="•"/>
+              <a:defRPr kumimoji="1" sz="1600">
+                <a:solidFill>
+                  <a:srgbClr val="006F53"/>
+                </a:solidFill>
+                <a:latin typeface="微软雅黑" panose="020B0503020204020204" pitchFamily="34" charset="-122"/>
+                <a:ea typeface="微软雅黑" panose="020B0503020204020204" pitchFamily="34" charset="-122"/>
+                <a:cs typeface="微软雅黑" panose="020B0503020204020204" pitchFamily="34" charset="-122"/>
+              </a:defRPr>
+            </a:lvl1pPr>
+            <a:lvl2pPr marL="398780" indent="-230505" algn="l" defTabSz="0" rtl="0" eaLnBrk="0" fontAlgn="base" hangingPunct="0">
+              <a:spcBef>
+                <a:spcPct val="0"/>
+              </a:spcBef>
+              <a:spcAft>
+                <a:spcPct val="15000"/>
+              </a:spcAft>
+              <a:buClr>
+                <a:schemeClr val="tx2"/>
+              </a:buClr>
+              <a:buFont typeface="Arial" panose="020B0604020202020204" pitchFamily="34" charset="0"/>
+              <a:buChar char="–"/>
+              <a:defRPr kumimoji="1" sz="2800">
+                <a:solidFill>
+                  <a:schemeClr val="bg2"/>
+                </a:solidFill>
+                <a:latin typeface="微软雅黑" panose="020B0503020204020204" pitchFamily="34" charset="-122"/>
+                <a:ea typeface="微软雅黑" panose="020B0503020204020204" pitchFamily="34" charset="-122"/>
+                <a:cs typeface="微软雅黑" panose="020B0503020204020204" pitchFamily="34" charset="-122"/>
+              </a:defRPr>
+            </a:lvl2pPr>
+            <a:lvl3pPr marL="400050" indent="182880" algn="l" defTabSz="0" rtl="0" eaLnBrk="0" fontAlgn="base" hangingPunct="0">
+              <a:spcBef>
+                <a:spcPct val="0"/>
+              </a:spcBef>
+              <a:spcAft>
+                <a:spcPct val="15000"/>
+              </a:spcAft>
+              <a:buClr>
+                <a:schemeClr val="tx2"/>
+              </a:buClr>
+              <a:buFont typeface="Arial" panose="020B0604020202020204" pitchFamily="34" charset="0"/>
+              <a:buChar char="•"/>
+              <a:defRPr kumimoji="1" sz="1600">
+                <a:solidFill>
+                  <a:schemeClr val="bg2"/>
+                </a:solidFill>
+                <a:latin typeface="微软雅黑" panose="020B0503020204020204" pitchFamily="34" charset="-122"/>
+                <a:ea typeface="微软雅黑" panose="020B0503020204020204" pitchFamily="34" charset="-122"/>
+                <a:cs typeface="微软雅黑" panose="020B0503020204020204" pitchFamily="34" charset="-122"/>
+              </a:defRPr>
+            </a:lvl3pPr>
+            <a:lvl4pPr marL="825500" indent="-241300" algn="l" defTabSz="0" rtl="0" eaLnBrk="0" fontAlgn="base" hangingPunct="0">
+              <a:spcBef>
+                <a:spcPct val="0"/>
+              </a:spcBef>
+              <a:spcAft>
+                <a:spcPct val="15000"/>
+              </a:spcAft>
+              <a:buClr>
+                <a:schemeClr val="tx2"/>
+              </a:buClr>
+              <a:buFont typeface="Arial" panose="020B0604020202020204" pitchFamily="34" charset="0"/>
+              <a:buChar char="–"/>
+              <a:defRPr kumimoji="1" sz="1600">
+                <a:solidFill>
+                  <a:schemeClr val="bg2"/>
+                </a:solidFill>
+                <a:latin typeface="微软雅黑" panose="020B0503020204020204" pitchFamily="34" charset="-122"/>
+                <a:ea typeface="微软雅黑" panose="020B0503020204020204" pitchFamily="34" charset="-122"/>
+                <a:cs typeface="微软雅黑" panose="020B0503020204020204" pitchFamily="34" charset="-122"/>
+              </a:defRPr>
+            </a:lvl4pPr>
+            <a:lvl5pPr marL="2057400" indent="-228600" algn="l" defTabSz="0" rtl="0" eaLnBrk="0" fontAlgn="base" hangingPunct="0">
+              <a:spcBef>
+                <a:spcPct val="0"/>
+              </a:spcBef>
+              <a:spcAft>
+                <a:spcPct val="25000"/>
+              </a:spcAft>
+              <a:buClr>
+                <a:schemeClr val="tx2"/>
+              </a:buClr>
+              <a:buFont typeface="Arial" panose="020B0604020202020204" pitchFamily="34" charset="0"/>
+              <a:buChar char="–"/>
+              <a:defRPr kumimoji="1" sz="2000">
+                <a:solidFill>
+                  <a:schemeClr val="tx1"/>
+                </a:solidFill>
+                <a:latin typeface="+mn-lt"/>
+                <a:ea typeface="微软雅黑" panose="020B0503020204020204" pitchFamily="34" charset="-122"/>
+                <a:cs typeface="微软雅黑" panose="020B0503020204020204" pitchFamily="34" charset="-122"/>
+              </a:defRPr>
+            </a:lvl5pPr>
+            <a:lvl6pPr marL="2514600" indent="-228600" algn="l" defTabSz="0" rtl="0" eaLnBrk="0" fontAlgn="base" hangingPunct="0">
+              <a:spcBef>
+                <a:spcPct val="0"/>
+              </a:spcBef>
+              <a:spcAft>
+                <a:spcPct val="25000"/>
+              </a:spcAft>
+              <a:buClr>
+                <a:schemeClr val="tx2"/>
+              </a:buClr>
+              <a:buFont typeface="Arial" panose="020B0604020202020204" pitchFamily="34" charset="0"/>
+              <a:buChar char="–"/>
+              <a:defRPr>
+                <a:solidFill>
+                  <a:schemeClr val="tx1"/>
+                </a:solidFill>
+                <a:latin typeface="+mn-lt"/>
+              </a:defRPr>
+            </a:lvl6pPr>
+            <a:lvl7pPr marL="2971800" indent="-228600" algn="l" defTabSz="0" rtl="0" eaLnBrk="0" fontAlgn="base" hangingPunct="0">
+              <a:spcBef>
+                <a:spcPct val="0"/>
+              </a:spcBef>
+              <a:spcAft>
+                <a:spcPct val="25000"/>
+              </a:spcAft>
+              <a:buClr>
+                <a:schemeClr val="tx2"/>
+              </a:buClr>
+              <a:buFont typeface="Arial" panose="020B0604020202020204" pitchFamily="34" charset="0"/>
+              <a:buChar char="–"/>
+              <a:defRPr>
+                <a:solidFill>
+                  <a:schemeClr val="tx1"/>
+                </a:solidFill>
+                <a:latin typeface="+mn-lt"/>
+              </a:defRPr>
+            </a:lvl7pPr>
+            <a:lvl8pPr marL="3429000" indent="-228600" algn="l" defTabSz="0" rtl="0" eaLnBrk="0" fontAlgn="base" hangingPunct="0">
+              <a:spcBef>
+                <a:spcPct val="0"/>
+              </a:spcBef>
+              <a:spcAft>
+                <a:spcPct val="25000"/>
+              </a:spcAft>
+              <a:buClr>
+                <a:schemeClr val="tx2"/>
+              </a:buClr>
+              <a:buFont typeface="Arial" panose="020B0604020202020204" pitchFamily="34" charset="0"/>
+              <a:buChar char="–"/>
+              <a:defRPr>
+                <a:solidFill>
+                  <a:schemeClr val="tx1"/>
+                </a:solidFill>
+                <a:latin typeface="+mn-lt"/>
+              </a:defRPr>
+            </a:lvl8pPr>
+            <a:lvl9pPr marL="3886200" indent="-228600" algn="l" defTabSz="0" rtl="0" eaLnBrk="0" fontAlgn="base" hangingPunct="0">
+              <a:spcBef>
+                <a:spcPct val="0"/>
+              </a:spcBef>
+              <a:spcAft>
+                <a:spcPct val="25000"/>
+              </a:spcAft>
+              <a:buClr>
+                <a:schemeClr val="tx2"/>
+              </a:buClr>
+              <a:buFont typeface="Arial" panose="020B0604020202020204" pitchFamily="34" charset="0"/>
+              <a:buChar char="–"/>
+              <a:defRPr>
+                <a:solidFill>
+                  <a:schemeClr val="tx1"/>
+                </a:solidFill>
+                <a:latin typeface="+mn-lt"/>
+              </a:defRPr>
+            </a:lvl9pPr>
+          </a:lstStyle>
+          <a:p>
+            <a:pPr marL="0" indent="0">
+              <a:buNone/>
+            </a:pPr>
+            <a:r>
+              <a:rPr lang="zh-CN" altLang="en-US" sz="3200" dirty="0" smtClean="0">
+                <a:solidFill>
+                  <a:srgbClr val="C00000"/>
+                </a:solidFill>
+                <a:cs typeface="+mn-cs"/>
+                <a:sym typeface="+mn-ea"/>
+              </a:rPr>
+              <a:t>内容提纲</a:t>
+            </a:r>
+            <a:endParaRPr lang="zh-CN" altLang="en-US" kern="0" dirty="0"/>
+          </a:p>
+        </p:txBody>
+      </p:sp>
+    </p:spTree>
+  </p:cSld>
+  <p:clrMapOvr>
+    <a:masterClrMapping/>
+  </p:clrMapOvr>
+  <p:timing>
+    <p:tnLst>
+      <p:par>
+        <p:cTn id="1" dur="indefinite" restart="never" nodeType="tmRoot"/>
+      </p:par>
+    </p:tnLst>
+  </p:timing>
+</p:sld>
+</file>
+
+<file path=ppt/slides/slide22.xml><?xml version="1.0" encoding="utf-8"?>
+<p:sld xmlns:a="http://schemas.openxmlformats.org/drawingml/2006/main" xmlns:r="http://schemas.openxmlformats.org/officeDocument/2006/relationships" xmlns:p="http://schemas.openxmlformats.org/presentationml/2006/main">
+  <p:cSld>
+    <p:spTree>
+      <p:nvGrpSpPr>
+        <p:cNvPr id="1" name=""/>
+        <p:cNvGrpSpPr/>
+        <p:nvPr/>
+      </p:nvGrpSpPr>
+      <p:grpSpPr>
+        <a:xfrm>
+          <a:off x="0" y="0"/>
+          <a:ext cx="0" cy="0"/>
+          <a:chOff x="0" y="0"/>
+          <a:chExt cx="0" cy="0"/>
+        </a:xfrm>
+      </p:grpSpPr>
+      <p:sp>
+        <p:nvSpPr>
+          <p:cNvPr id="11266" name="内容占位符 1"/>
+          <p:cNvSpPr>
+            <a:spLocks noGrp="1"/>
+          </p:cNvSpPr>
+          <p:nvPr>
+            <p:ph sz="quarter" idx="10"/>
+          </p:nvPr>
+        </p:nvSpPr>
+        <p:spPr bwMode="auto">
+          <a:xfrm>
+            <a:off x="947420" y="796925"/>
+            <a:ext cx="10596245" cy="5234305"/>
+          </a:xfrm>
+          <a:noFill/>
+          <a:extLst>
+            <a:ext uri="{909E8E84-426E-40DD-AFC4-6F175D3DCCD1}">
+              <a14:hiddenFill xmlns:a14="http://schemas.microsoft.com/office/drawing/2010/main">
+                <a:solidFill>
+                  <a:srgbClr val="FFFFFF"/>
+                </a:solidFill>
+              </a14:hiddenFill>
+            </a:ext>
+            <a:ext uri="{91240B29-F687-4F45-9708-019B960494DF}">
+              <a14:hiddenLine xmlns:a14="http://schemas.microsoft.com/office/drawing/2010/main" w="9525">
+                <a:solidFill>
+                  <a:srgbClr val="000000"/>
+                </a:solidFill>
+                <a:miter lim="800000"/>
+                <a:headEnd/>
+                <a:tailEnd/>
+              </a14:hiddenLine>
+            </a:ext>
+          </a:extLst>
+        </p:spPr>
+        <p:txBody>
+          <a:bodyPr vert="horz" wrap="square" lIns="91440" tIns="45720" rIns="91440" bIns="45720" numCol="1" anchor="t" anchorCtr="0" compatLnSpc="1"/>
+          <a:lstStyle/>
+          <a:p>
+            <a:pPr>
+              <a:lnSpc>
+                <a:spcPct val="160000"/>
+              </a:lnSpc>
+            </a:pPr>
+            <a:r>
+              <a:rPr lang="zh-CN" sz="3200" dirty="0" smtClean="0">
+                <a:solidFill>
+                  <a:srgbClr val="000000"/>
+                </a:solidFill>
+                <a:sym typeface="+mn-ea"/>
+              </a:rPr>
+              <a:t>高阶函数是指至少满足下列条件之一的函数</a:t>
+            </a:r>
+            <a:br>
+              <a:rPr lang="zh-CN" altLang="en-US" sz="2000" dirty="0" smtClean="0">
+                <a:solidFill>
+                  <a:srgbClr val="000000"/>
+                </a:solidFill>
+                <a:sym typeface="+mn-ea"/>
+              </a:rPr>
+            </a:br>
+            <a:r>
+              <a:rPr lang="en-US" altLang="zh-CN" sz="2000" dirty="0" smtClean="0">
+                <a:solidFill>
+                  <a:srgbClr val="000000"/>
+                </a:solidFill>
+                <a:sym typeface="+mn-ea"/>
+              </a:rPr>
+              <a:t>-</a:t>
+            </a:r>
+            <a:r>
+              <a:rPr lang="en-US" altLang="zh-CN" sz="2000" dirty="0" smtClean="0">
+                <a:solidFill>
+                  <a:srgbClr val="FF0000"/>
+                </a:solidFill>
+                <a:sym typeface="+mn-ea"/>
+              </a:rPr>
+              <a:t> 函数作为参数</a:t>
+            </a:r>
+            <a:r>
+              <a:rPr lang="en-US" altLang="zh-CN" sz="2000" dirty="0" smtClean="0">
+                <a:solidFill>
+                  <a:srgbClr val="000000"/>
+                </a:solidFill>
+                <a:sym typeface="+mn-ea"/>
+              </a:rPr>
+              <a:t>被传递</a:t>
+            </a:r>
+            <a:r>
+              <a:rPr lang="zh-CN" altLang="en-US" sz="2000" dirty="0" smtClean="0">
+                <a:solidFill>
+                  <a:srgbClr val="000000"/>
+                </a:solidFill>
+                <a:sym typeface="+mn-ea"/>
+              </a:rPr>
+              <a:t>（最常见的形式：回调函数）</a:t>
+            </a:r>
+            <a:br>
+              <a:rPr lang="en-US" altLang="zh-CN" sz="2000" dirty="0" smtClean="0">
+                <a:solidFill>
+                  <a:srgbClr val="000000"/>
+                </a:solidFill>
+                <a:sym typeface="+mn-ea"/>
+              </a:rPr>
+            </a:br>
+            <a:r>
+              <a:rPr lang="en-US" altLang="zh-CN" sz="2000" dirty="0" smtClean="0">
+                <a:solidFill>
+                  <a:srgbClr val="000000"/>
+                </a:solidFill>
+                <a:sym typeface="+mn-ea"/>
+              </a:rPr>
+              <a:t>- </a:t>
+            </a:r>
+            <a:r>
+              <a:rPr lang="en-US" altLang="zh-CN" sz="2000" dirty="0" smtClean="0">
+                <a:solidFill>
+                  <a:srgbClr val="FF0000"/>
+                </a:solidFill>
+                <a:sym typeface="+mn-ea"/>
+              </a:rPr>
+              <a:t>函数作为返回值</a:t>
+            </a:r>
+            <a:r>
+              <a:rPr lang="en-US" altLang="zh-CN" sz="2000" dirty="0" smtClean="0">
+                <a:solidFill>
+                  <a:srgbClr val="000000"/>
+                </a:solidFill>
+                <a:sym typeface="+mn-ea"/>
+              </a:rPr>
+              <a:t>输出</a:t>
+            </a:r>
+            <a:r>
+              <a:rPr lang="zh-CN" altLang="en-US" sz="2000" dirty="0" smtClean="0">
+                <a:solidFill>
+                  <a:srgbClr val="000000"/>
+                </a:solidFill>
+                <a:sym typeface="+mn-ea"/>
+              </a:rPr>
+              <a:t>（与闭包有紧密联系）</a:t>
+            </a:r>
+            <a:br>
+              <a:rPr lang="en-US" altLang="zh-CN" sz="2000" dirty="0" smtClean="0">
+                <a:solidFill>
+                  <a:srgbClr val="000000"/>
+                </a:solidFill>
+                <a:sym typeface="+mn-ea"/>
+              </a:rPr>
+            </a:br>
+            <a:br>
+              <a:rPr kumimoji="0" lang="zh-CN" altLang="en-US" sz="2000" dirty="0" smtClean="0">
+                <a:solidFill>
+                  <a:schemeClr val="tx1"/>
+                </a:solidFill>
+              </a:rPr>
+            </a:br>
+            <a:br>
+              <a:rPr kumimoji="0" lang="zh-CN" altLang="en-US" sz="2000" dirty="0" smtClean="0">
+                <a:solidFill>
+                  <a:schemeClr val="tx1"/>
+                </a:solidFill>
+              </a:rPr>
+            </a:br>
+            <a:br>
+              <a:rPr kumimoji="0" lang="zh-CN" altLang="en-US" sz="2000" dirty="0" smtClean="0">
+                <a:solidFill>
+                  <a:schemeClr val="tx1"/>
+                </a:solidFill>
+              </a:rPr>
+            </a:br>
+            <a:br>
+              <a:rPr kumimoji="0" lang="zh-CN" altLang="en-US" sz="2000" dirty="0" smtClean="0">
+                <a:solidFill>
+                  <a:schemeClr val="tx1"/>
+                </a:solidFill>
+              </a:rPr>
+            </a:br>
+            <a:br>
+              <a:rPr kumimoji="0" lang="zh-CN" altLang="en-US" sz="2000" dirty="0" smtClean="0">
+                <a:solidFill>
+                  <a:schemeClr val="tx1"/>
+                </a:solidFill>
+              </a:rPr>
+            </a:br>
+            <a:br>
+              <a:rPr kumimoji="0" lang="zh-CN" altLang="en-US" sz="2000" dirty="0" smtClean="0">
+                <a:solidFill>
+                  <a:schemeClr val="tx1"/>
+                </a:solidFill>
+              </a:rPr>
+            </a:br>
+            <a:br>
+              <a:rPr kumimoji="0" lang="zh-CN" altLang="en-US" sz="2000" dirty="0" smtClean="0">
+                <a:solidFill>
+                  <a:schemeClr val="tx1"/>
+                </a:solidFill>
+              </a:rPr>
+            </a:br>
+            <a:br>
+              <a:rPr kumimoji="0" lang="zh-CN" altLang="en-US" sz="2000" dirty="0" smtClean="0">
+                <a:solidFill>
+                  <a:schemeClr val="tx1"/>
+                </a:solidFill>
+              </a:rPr>
+            </a:br>
+            <a:endParaRPr kumimoji="0" lang="zh-CN" altLang="en-US" sz="3200" dirty="0" smtClean="0">
+              <a:solidFill>
+                <a:schemeClr val="tx1"/>
+              </a:solidFill>
+            </a:endParaRPr>
+          </a:p>
+          <a:p>
+            <a:pPr eaLnBrk="1" hangingPunct="1">
+              <a:lnSpc>
+                <a:spcPct val="150000"/>
+              </a:lnSpc>
+            </a:pPr>
+            <a:endParaRPr kumimoji="0" lang="en-US" altLang="zh-CN" sz="3600" dirty="0" smtClean="0">
+              <a:solidFill>
+                <a:schemeClr val="tx1"/>
+              </a:solidFill>
+            </a:endParaRPr>
+          </a:p>
+          <a:p>
+            <a:pPr eaLnBrk="1" hangingPunct="1">
+              <a:lnSpc>
+                <a:spcPct val="150000"/>
+              </a:lnSpc>
+            </a:pPr>
+            <a:endParaRPr kumimoji="0" lang="zh-CN" altLang="en-US" dirty="0" smtClean="0">
+              <a:solidFill>
+                <a:schemeClr val="tx1"/>
+              </a:solidFill>
+            </a:endParaRPr>
+          </a:p>
+        </p:txBody>
+      </p:sp>
+      <p:sp>
+        <p:nvSpPr>
+          <p:cNvPr id="2" name="内容占位符 1"/>
+          <p:cNvSpPr>
+            <a:spLocks noGrp="1"/>
+          </p:cNvSpPr>
+          <p:nvPr>
+            <p:ph sz="quarter" idx="11"/>
+          </p:nvPr>
+        </p:nvSpPr>
+        <p:spPr>
+          <a:xfrm>
+            <a:off x="947204" y="308698"/>
+            <a:ext cx="8191557" cy="490476"/>
+          </a:xfrm>
+        </p:spPr>
+        <p:txBody>
+          <a:bodyPr/>
+          <a:lstStyle/>
+          <a:p>
+            <a:r>
+              <a:rPr kumimoji="0" lang="zh-CN" altLang="en-US" dirty="0"/>
+              <a:t>高阶函数</a:t>
+            </a:r>
+            <a:endParaRPr kumimoji="0" lang="zh-CN" altLang="en-US" dirty="0"/>
+          </a:p>
+        </p:txBody>
+      </p:sp>
+      <p:sp>
+        <p:nvSpPr>
+          <p:cNvPr id="3" name="文本框 2"/>
+          <p:cNvSpPr txBox="1"/>
+          <p:nvPr/>
+        </p:nvSpPr>
+        <p:spPr>
+          <a:xfrm>
+            <a:off x="5647690" y="6246495"/>
+            <a:ext cx="5895975" cy="429895"/>
+          </a:xfrm>
+          <a:prstGeom prst="rect">
+            <a:avLst/>
+          </a:prstGeom>
+          <a:noFill/>
+        </p:spPr>
+        <p:txBody>
+          <a:bodyPr wrap="square" rtlCol="0">
+            <a:spAutoFit/>
+          </a:bodyPr>
+          <a:p>
+            <a:pPr algn="l"/>
+            <a:r>
+              <a:rPr lang="zh-CN" altLang="en-US" sz="2200">
+                <a:solidFill>
+                  <a:srgbClr val="FF0000"/>
+                </a:solidFill>
+                <a:latin typeface="+mn-ea"/>
+                <a:ea typeface="+mn-ea"/>
+              </a:rPr>
+              <a:t>参见实例</a:t>
+            </a:r>
+            <a:r>
+              <a:rPr lang="en-US" altLang="zh-CN" sz="2200">
+                <a:solidFill>
+                  <a:srgbClr val="FF0000"/>
+                </a:solidFill>
+                <a:latin typeface="+mn-ea"/>
+                <a:ea typeface="+mn-ea"/>
+              </a:rPr>
+              <a:t>demo0</a:t>
+            </a:r>
+            <a:r>
+              <a:rPr lang="en-US" sz="2200">
+                <a:solidFill>
+                  <a:srgbClr val="FF0000"/>
+                </a:solidFill>
+                <a:latin typeface="+mn-ea"/>
+                <a:ea typeface="+mn-ea"/>
+              </a:rPr>
+              <a:t>7 </a:t>
+            </a:r>
+            <a:r>
+              <a:rPr lang="zh-CN" altLang="en-US" sz="2200">
+                <a:solidFill>
+                  <a:srgbClr val="FF0000"/>
+                </a:solidFill>
+                <a:latin typeface="+mn-ea"/>
+                <a:ea typeface="+mn-ea"/>
+              </a:rPr>
+              <a:t>高阶函数</a:t>
+            </a:r>
+            <a:r>
+              <a:rPr lang="en-US" altLang="zh-CN" sz="2200">
+                <a:solidFill>
+                  <a:srgbClr val="FF0000"/>
+                </a:solidFill>
+                <a:latin typeface="+mn-ea"/>
+                <a:ea typeface="+mn-ea"/>
+              </a:rPr>
+              <a:t>Part1</a:t>
+            </a:r>
+            <a:r>
+              <a:rPr lang="zh-CN" altLang="en-US" sz="2200">
+                <a:solidFill>
+                  <a:srgbClr val="FF0000"/>
+                </a:solidFill>
+                <a:latin typeface="+mn-ea"/>
+                <a:ea typeface="+mn-ea"/>
+              </a:rPr>
+              <a:t>和</a:t>
+            </a:r>
+            <a:r>
+              <a:rPr lang="en-US" altLang="zh-CN" sz="2200">
+                <a:solidFill>
+                  <a:srgbClr val="FF0000"/>
+                </a:solidFill>
+                <a:latin typeface="+mn-ea"/>
+                <a:ea typeface="+mn-ea"/>
+              </a:rPr>
+              <a:t>Part2</a:t>
+            </a:r>
+            <a:endParaRPr lang="en-US" altLang="zh-CN" sz="2200">
+              <a:solidFill>
+                <a:srgbClr val="FF0000"/>
+              </a:solidFill>
+              <a:latin typeface="+mn-ea"/>
+              <a:ea typeface="+mn-ea"/>
+            </a:endParaRPr>
+          </a:p>
+        </p:txBody>
+      </p:sp>
+      <p:pic>
+        <p:nvPicPr>
+          <p:cNvPr id="6" name="图片 5"/>
+          <p:cNvPicPr>
+            <a:picLocks noChangeAspect="1"/>
+          </p:cNvPicPr>
+          <p:nvPr/>
+        </p:nvPicPr>
+        <p:blipFill>
+          <a:blip r:embed="rId1"/>
+          <a:stretch>
+            <a:fillRect/>
+          </a:stretch>
+        </p:blipFill>
+        <p:spPr>
+          <a:xfrm>
+            <a:off x="1216660" y="2719070"/>
+            <a:ext cx="3471545" cy="2891155"/>
+          </a:xfrm>
+          <a:prstGeom prst="rect">
+            <a:avLst/>
+          </a:prstGeom>
+        </p:spPr>
+      </p:pic>
+      <p:pic>
+        <p:nvPicPr>
+          <p:cNvPr id="7" name="图片 6"/>
+          <p:cNvPicPr>
+            <a:picLocks noChangeAspect="1"/>
+          </p:cNvPicPr>
+          <p:nvPr/>
+        </p:nvPicPr>
+        <p:blipFill>
+          <a:blip r:embed="rId2"/>
+          <a:stretch>
+            <a:fillRect/>
+          </a:stretch>
+        </p:blipFill>
+        <p:spPr>
+          <a:xfrm>
+            <a:off x="5274945" y="2719070"/>
+            <a:ext cx="6578600" cy="3354070"/>
+          </a:xfrm>
+          <a:prstGeom prst="rect">
+            <a:avLst/>
+          </a:prstGeom>
+        </p:spPr>
+      </p:pic>
+    </p:spTree>
+  </p:cSld>
+  <p:clrMapOvr>
+    <a:masterClrMapping/>
+  </p:clrMapOvr>
+  <p:timing>
+    <p:tnLst>
+      <p:par>
+        <p:cTn id="1" dur="indefinite" restart="never" nodeType="tmRoot">
+          <p:childTnLst>
+            <p:seq concurrent="1" nextAc="seek">
+              <p:cTn id="2" dur="indefinite" nodeType="mainSeq">
+                <p:childTnLst>
+                  <p:par>
+                    <p:cTn id="3" fill="hold">
+                      <p:stCondLst>
+                        <p:cond delay="indefinite"/>
+                      </p:stCondLst>
+                      <p:childTnLst>
+                        <p:par>
+                          <p:cTn id="4" fill="hold">
+                            <p:stCondLst>
+                              <p:cond delay="0"/>
+                            </p:stCondLst>
+                            <p:childTnLst>
+                              <p:par>
+                                <p:cTn id="5" presetID="2" presetClass="entr" presetSubtype="4" fill="hold" nodeType="clickEffect">
+                                  <p:stCondLst>
+                                    <p:cond delay="0"/>
+                                  </p:stCondLst>
+                                  <p:childTnLst>
+                                    <p:set>
+                                      <p:cBhvr>
+                                        <p:cTn id="6" dur="1" fill="hold">
+                                          <p:stCondLst>
+                                            <p:cond delay="0"/>
+                                          </p:stCondLst>
+                                        </p:cTn>
+                                        <p:tgtEl>
+                                          <p:spTgt spid="11266">
+                                            <p:txEl>
+                                              <p:pRg st="0" end="0"/>
+                                            </p:txEl>
+                                          </p:spTgt>
+                                        </p:tgtEl>
+                                        <p:attrNameLst>
+                                          <p:attrName>style.visibility</p:attrName>
+                                        </p:attrNameLst>
+                                      </p:cBhvr>
+                                      <p:to>
+                                        <p:strVal val="visible"/>
+                                      </p:to>
+                                    </p:set>
+                                    <p:anim calcmode="lin" valueType="num">
+                                      <p:cBhvr additive="base">
+                                        <p:cTn id="7" dur="500" fill="hold"/>
+                                        <p:tgtEl>
+                                          <p:spTgt spid="11266">
+                                            <p:txEl>
+                                              <p:pRg st="0" end="0"/>
+                                            </p:txEl>
+                                          </p:spTgt>
+                                        </p:tgtEl>
+                                        <p:attrNameLst>
+                                          <p:attrName>ppt_x</p:attrName>
+                                        </p:attrNameLst>
+                                      </p:cBhvr>
+                                      <p:tavLst>
+                                        <p:tav tm="0">
+                                          <p:val>
+                                            <p:strVal val="#ppt_x"/>
+                                          </p:val>
+                                        </p:tav>
+                                        <p:tav tm="100000">
+                                          <p:val>
+                                            <p:strVal val="#ppt_x"/>
+                                          </p:val>
+                                        </p:tav>
+                                      </p:tavLst>
+                                    </p:anim>
+                                    <p:anim calcmode="lin" valueType="num">
+                                      <p:cBhvr additive="base">
+                                        <p:cTn id="8" dur="500" fill="hold"/>
+                                        <p:tgtEl>
+                                          <p:spTgt spid="11266">
+                                            <p:txEl>
+                                              <p:pRg st="0" end="0"/>
+                                            </p:txEl>
+                                          </p:spTgt>
+                                        </p:tgtEl>
+                                        <p:attrNameLst>
+                                          <p:attrName>ppt_y</p:attrName>
+                                        </p:attrNameLst>
+                                      </p:cBhvr>
+                                      <p:tavLst>
+                                        <p:tav tm="0">
+                                          <p:val>
+                                            <p:strVal val="1+#ppt_h/2"/>
+                                          </p:val>
+                                        </p:tav>
+                                        <p:tav tm="100000">
+                                          <p:val>
+                                            <p:strVal val="#ppt_y"/>
+                                          </p:val>
+                                        </p:tav>
+                                      </p:tavLst>
+                                    </p:anim>
+                                  </p:childTnLst>
+                                </p:cTn>
+                              </p:par>
+                            </p:childTnLst>
+                          </p:cTn>
+                        </p:par>
+                      </p:childTnLst>
+                    </p:cTn>
+                  </p:par>
+                  <p:par>
+                    <p:cTn id="9" fill="hold">
+                      <p:stCondLst>
+                        <p:cond delay="indefinite"/>
+                      </p:stCondLst>
+                      <p:childTnLst>
+                        <p:par>
+                          <p:cTn id="10" fill="hold">
+                            <p:stCondLst>
+                              <p:cond delay="0"/>
+                            </p:stCondLst>
+                            <p:childTnLst>
+                              <p:par>
+                                <p:cTn id="11" presetID="2" presetClass="entr" presetSubtype="4" fill="hold" nodeType="clickEffect">
+                                  <p:stCondLst>
+                                    <p:cond delay="0"/>
+                                  </p:stCondLst>
+                                  <p:childTnLst>
+                                    <p:set>
+                                      <p:cBhvr>
+                                        <p:cTn id="12" dur="1" fill="hold">
+                                          <p:stCondLst>
+                                            <p:cond delay="0"/>
+                                          </p:stCondLst>
+                                        </p:cTn>
+                                        <p:tgtEl>
+                                          <p:spTgt spid="6"/>
+                                        </p:tgtEl>
+                                        <p:attrNameLst>
+                                          <p:attrName>style.visibility</p:attrName>
+                                        </p:attrNameLst>
+                                      </p:cBhvr>
+                                      <p:to>
+                                        <p:strVal val="visible"/>
+                                      </p:to>
+                                    </p:set>
+                                    <p:anim calcmode="lin" valueType="num">
+                                      <p:cBhvr additive="base">
+                                        <p:cTn id="13" dur="500" fill="hold"/>
+                                        <p:tgtEl>
+                                          <p:spTgt spid="6"/>
+                                        </p:tgtEl>
+                                        <p:attrNameLst>
+                                          <p:attrName>ppt_x</p:attrName>
+                                        </p:attrNameLst>
+                                      </p:cBhvr>
+                                      <p:tavLst>
+                                        <p:tav tm="0">
+                                          <p:val>
+                                            <p:strVal val="#ppt_x"/>
+                                          </p:val>
+                                        </p:tav>
+                                        <p:tav tm="100000">
+                                          <p:val>
+                                            <p:strVal val="#ppt_x"/>
+                                          </p:val>
+                                        </p:tav>
+                                      </p:tavLst>
+                                    </p:anim>
+                                    <p:anim calcmode="lin" valueType="num">
+                                      <p:cBhvr additive="base">
+                                        <p:cTn id="14" dur="500" fill="hold"/>
+                                        <p:tgtEl>
+                                          <p:spTgt spid="6"/>
+                                        </p:tgtEl>
+                                        <p:attrNameLst>
+                                          <p:attrName>ppt_y</p:attrName>
+                                        </p:attrNameLst>
+                                      </p:cBhvr>
+                                      <p:tavLst>
+                                        <p:tav tm="0">
+                                          <p:val>
+                                            <p:strVal val="1+#ppt_h/2"/>
+                                          </p:val>
+                                        </p:tav>
+                                        <p:tav tm="100000">
+                                          <p:val>
+                                            <p:strVal val="#ppt_y"/>
+                                          </p:val>
+                                        </p:tav>
+                                      </p:tavLst>
+                                    </p:anim>
+                                  </p:childTnLst>
+                                </p:cTn>
+                              </p:par>
+                            </p:childTnLst>
+                          </p:cTn>
+                        </p:par>
+                      </p:childTnLst>
+                    </p:cTn>
+                  </p:par>
+                  <p:par>
+                    <p:cTn id="15" fill="hold">
+                      <p:stCondLst>
+                        <p:cond delay="indefinite"/>
+                      </p:stCondLst>
+                      <p:childTnLst>
+                        <p:par>
+                          <p:cTn id="16" fill="hold">
+                            <p:stCondLst>
+                              <p:cond delay="0"/>
+                            </p:stCondLst>
+                            <p:childTnLst>
+                              <p:par>
+                                <p:cTn id="17" presetID="2" presetClass="entr" presetSubtype="4" fill="hold" nodeType="clickEffect">
+                                  <p:stCondLst>
+                                    <p:cond delay="0"/>
+                                  </p:stCondLst>
+                                  <p:childTnLst>
+                                    <p:set>
+                                      <p:cBhvr>
+                                        <p:cTn id="18" dur="1" fill="hold">
+                                          <p:stCondLst>
+                                            <p:cond delay="0"/>
+                                          </p:stCondLst>
+                                        </p:cTn>
+                                        <p:tgtEl>
+                                          <p:spTgt spid="7"/>
+                                        </p:tgtEl>
+                                        <p:attrNameLst>
+                                          <p:attrName>style.visibility</p:attrName>
+                                        </p:attrNameLst>
+                                      </p:cBhvr>
+                                      <p:to>
+                                        <p:strVal val="visible"/>
+                                      </p:to>
+                                    </p:set>
+                                    <p:anim calcmode="lin" valueType="num">
+                                      <p:cBhvr additive="base">
+                                        <p:cTn id="19" dur="500" fill="hold"/>
+                                        <p:tgtEl>
+                                          <p:spTgt spid="7"/>
+                                        </p:tgtEl>
+                                        <p:attrNameLst>
+                                          <p:attrName>ppt_x</p:attrName>
+                                        </p:attrNameLst>
+                                      </p:cBhvr>
+                                      <p:tavLst>
+                                        <p:tav tm="0">
+                                          <p:val>
+                                            <p:strVal val="#ppt_x"/>
+                                          </p:val>
+                                        </p:tav>
+                                        <p:tav tm="100000">
+                                          <p:val>
+                                            <p:strVal val="#ppt_x"/>
+                                          </p:val>
+                                        </p:tav>
+                                      </p:tavLst>
+                                    </p:anim>
+                                    <p:anim calcmode="lin" valueType="num">
+                                      <p:cBhvr additive="base">
+                                        <p:cTn id="20" dur="500" fill="hold"/>
+                                        <p:tgtEl>
+                                          <p:spTgt spid="7"/>
+                                        </p:tgtEl>
+                                        <p:attrNameLst>
+                                          <p:attrName>ppt_y</p:attrName>
+                                        </p:attrNameLst>
+                                      </p:cBhvr>
+                                      <p:tavLst>
+                                        <p:tav tm="0">
+                                          <p:val>
+                                            <p:strVal val="1+#ppt_h/2"/>
+                                          </p:val>
+                                        </p:tav>
+                                        <p:tav tm="100000">
+                                          <p:val>
+                                            <p:strVal val="#ppt_y"/>
+                                          </p:val>
+                                        </p:tav>
+                                      </p:tavLst>
+                                    </p:anim>
+                                  </p:childTnLst>
+                                </p:cTn>
+                              </p:par>
+                            </p:childTnLst>
+                          </p:cTn>
+                        </p:par>
+                        <p:par>
+                          <p:cTn id="21" fill="hold">
+                            <p:stCondLst>
+                              <p:cond delay="500"/>
+                            </p:stCondLst>
+                            <p:childTnLst>
+                              <p:par>
+                                <p:cTn id="22" presetID="2" presetClass="entr" presetSubtype="4" fill="hold" grpId="0" nodeType="afterEffect">
+                                  <p:stCondLst>
+                                    <p:cond delay="0"/>
+                                  </p:stCondLst>
+                                  <p:childTnLst>
+                                    <p:set>
+                                      <p:cBhvr>
+                                        <p:cTn id="23" dur="1" fill="hold">
+                                          <p:stCondLst>
+                                            <p:cond delay="0"/>
+                                          </p:stCondLst>
+                                        </p:cTn>
+                                        <p:tgtEl>
+                                          <p:spTgt spid="3"/>
+                                        </p:tgtEl>
+                                        <p:attrNameLst>
+                                          <p:attrName>style.visibility</p:attrName>
+                                        </p:attrNameLst>
+                                      </p:cBhvr>
+                                      <p:to>
+                                        <p:strVal val="visible"/>
+                                      </p:to>
+                                    </p:set>
+                                    <p:anim calcmode="lin" valueType="num">
+                                      <p:cBhvr additive="base">
+                                        <p:cTn id="24" dur="500" fill="hold"/>
+                                        <p:tgtEl>
+                                          <p:spTgt spid="3"/>
+                                        </p:tgtEl>
+                                        <p:attrNameLst>
+                                          <p:attrName>ppt_x</p:attrName>
+                                        </p:attrNameLst>
+                                      </p:cBhvr>
+                                      <p:tavLst>
+                                        <p:tav tm="0">
+                                          <p:val>
+                                            <p:strVal val="#ppt_x"/>
+                                          </p:val>
+                                        </p:tav>
+                                        <p:tav tm="100000">
+                                          <p:val>
+                                            <p:strVal val="#ppt_x"/>
+                                          </p:val>
+                                        </p:tav>
+                                      </p:tavLst>
+                                    </p:anim>
+                                    <p:anim calcmode="lin" valueType="num">
+                                      <p:cBhvr additive="base">
+                                        <p:cTn id="25" dur="500" fill="hold"/>
+                                        <p:tgtEl>
+                                          <p:spTgt spid="3"/>
+                                        </p:tgtEl>
+                                        <p:attrNameLst>
+                                          <p:attrName>ppt_y</p:attrName>
+                                        </p:attrNameLst>
+                                      </p:cBhvr>
+                                      <p:tavLst>
+                                        <p:tav tm="0">
+                                          <p:val>
+                                            <p:strVal val="1+#ppt_h/2"/>
+                                          </p:val>
+                                        </p:tav>
+                                        <p:tav tm="100000">
+                                          <p:val>
+                                            <p:strVal val="#ppt_y"/>
+                                          </p:val>
+                                        </p:tav>
+                                      </p:tavLst>
+                                    </p:anim>
+                                  </p:childTnLst>
+                                </p:cTn>
+                              </p:par>
+                            </p:childTnLst>
+                          </p:cTn>
+                        </p:par>
+                      </p:childTnLst>
+                    </p:cTn>
+                  </p:par>
+                </p:childTnLst>
+              </p:cTn>
+              <p:prevCondLst>
+                <p:cond evt="onPrev" delay="0">
+                  <p:tgtEl>
+                    <p:sldTgt/>
+                  </p:tgtEl>
+                </p:cond>
+              </p:prevCondLst>
+              <p:nextCondLst>
+                <p:cond evt="onNext" delay="0">
+                  <p:tgtEl>
+                    <p:sldTgt/>
+                  </p:tgtEl>
+                </p:cond>
+              </p:nextCondLst>
+            </p:seq>
+          </p:childTnLst>
+        </p:cTn>
+      </p:par>
+    </p:tnLst>
+    <p:bldLst>
+      <p:bldP spid="3" grpId="0"/>
+    </p:bldLst>
+  </p:timing>
+</p:sld>
+</file>
+
+<file path=ppt/slides/slide23.xml><?xml version="1.0" encoding="utf-8"?>
+<p:sld xmlns:a="http://schemas.openxmlformats.org/drawingml/2006/main" xmlns:r="http://schemas.openxmlformats.org/officeDocument/2006/relationships" xmlns:p="http://schemas.openxmlformats.org/presentationml/2006/main">
+  <p:cSld>
+    <p:spTree>
+      <p:nvGrpSpPr>
+        <p:cNvPr id="1" name=""/>
+        <p:cNvGrpSpPr/>
+        <p:nvPr/>
+      </p:nvGrpSpPr>
+      <p:grpSpPr>
+        <a:xfrm>
+          <a:off x="0" y="0"/>
+          <a:ext cx="0" cy="0"/>
+          <a:chOff x="0" y="0"/>
+          <a:chExt cx="0" cy="0"/>
+        </a:xfrm>
+      </p:grpSpPr>
       <p:pic>
         <p:nvPicPr>
           <p:cNvPr id="11266" name="Picture 5"/>
@@ -13503,7 +15053,7 @@
 </p:sld>
 </file>
 
-<file path=ppt/slides/slide22.xml><?xml version="1.0" encoding="utf-8"?>
+<file path=ppt/slides/slide24.xml><?xml version="1.0" encoding="utf-8"?>
 <p:sld xmlns:a="http://schemas.openxmlformats.org/drawingml/2006/main" xmlns:r="http://schemas.openxmlformats.org/officeDocument/2006/relationships" xmlns:p="http://schemas.openxmlformats.org/presentationml/2006/main">
   <p:cSld>
     <p:spTree>
@@ -13884,7 +15434,7 @@
 </p:sld>
 </file>
 
-<file path=ppt/slides/slide23.xml><?xml version="1.0" encoding="utf-8"?>
+<file path=ppt/slides/slide25.xml><?xml version="1.0" encoding="utf-8"?>
 <p:sld xmlns:a="http://schemas.openxmlformats.org/drawingml/2006/main" xmlns:r="http://schemas.openxmlformats.org/officeDocument/2006/relationships" xmlns:p="http://schemas.openxmlformats.org/presentationml/2006/main">
   <p:cSld>
     <p:spTree>
@@ -14373,7 +15923,7 @@
 </p:sld>
 </file>
 
-<file path=ppt/slides/slide24.xml><?xml version="1.0" encoding="utf-8"?>
+<file path=ppt/slides/slide26.xml><?xml version="1.0" encoding="utf-8"?>
 <p:sld xmlns:a="http://schemas.openxmlformats.org/drawingml/2006/main" xmlns:r="http://schemas.openxmlformats.org/officeDocument/2006/relationships" xmlns:p="http://schemas.openxmlformats.org/presentationml/2006/main">
   <p:cSld>
     <p:spTree>
@@ -15693,7 +17243,7 @@
 </p:sld>
 </file>
 
-<file path=ppt/slides/slide25.xml><?xml version="1.0" encoding="utf-8"?>
+<file path=ppt/slides/slide27.xml><?xml version="1.0" encoding="utf-8"?>
 <p:sld xmlns:a="http://schemas.openxmlformats.org/drawingml/2006/main" xmlns:r="http://schemas.openxmlformats.org/officeDocument/2006/relationships" xmlns:p="http://schemas.openxmlformats.org/presentationml/2006/main">
   <p:cSld>
     <p:spTree>
@@ -16194,7 +17744,7 @@
 </p:sld>
 </file>
 
-<file path=ppt/slides/slide26.xml><?xml version="1.0" encoding="utf-8"?>
+<file path=ppt/slides/slide28.xml><?xml version="1.0" encoding="utf-8"?>
 <p:sld xmlns:a="http://schemas.openxmlformats.org/drawingml/2006/main" xmlns:r="http://schemas.openxmlformats.org/officeDocument/2006/relationships" xmlns:p="http://schemas.openxmlformats.org/presentationml/2006/main">
   <p:cSld>
     <p:spTree>
@@ -17210,7 +18760,7 @@
 </p:sld>
 </file>
 
-<file path=ppt/slides/slide27.xml><?xml version="1.0" encoding="utf-8"?>
+<file path=ppt/slides/slide29.xml><?xml version="1.0" encoding="utf-8"?>
 <p:sld xmlns:a="http://schemas.openxmlformats.org/drawingml/2006/main" xmlns:r="http://schemas.openxmlformats.org/officeDocument/2006/relationships" xmlns:p="http://schemas.openxmlformats.org/presentationml/2006/main">
   <p:cSld>
     <p:spTree>
@@ -18114,7 +19664,503 @@
 </p:sld>
 </file>
 
-<file path=ppt/slides/slide28.xml><?xml version="1.0" encoding="utf-8"?>
+<file path=ppt/slides/slide3.xml><?xml version="1.0" encoding="utf-8"?>
+<p:sld xmlns:a="http://schemas.openxmlformats.org/drawingml/2006/main" xmlns:r="http://schemas.openxmlformats.org/officeDocument/2006/relationships" xmlns:p="http://schemas.openxmlformats.org/presentationml/2006/main">
+  <p:cSld>
+    <p:spTree>
+      <p:nvGrpSpPr>
+        <p:cNvPr id="1" name=""/>
+        <p:cNvGrpSpPr/>
+        <p:nvPr/>
+      </p:nvGrpSpPr>
+      <p:grpSpPr>
+        <a:xfrm>
+          <a:off x="0" y="0"/>
+          <a:ext cx="0" cy="0"/>
+          <a:chOff x="0" y="0"/>
+          <a:chExt cx="0" cy="0"/>
+        </a:xfrm>
+      </p:grpSpPr>
+      <p:sp>
+        <p:nvSpPr>
+          <p:cNvPr id="6147" name="AutoShape 6"/>
+          <p:cNvSpPr>
+            <a:spLocks noChangeArrowheads="1"/>
+          </p:cNvSpPr>
+          <p:nvPr/>
+        </p:nvSpPr>
+        <p:spPr bwMode="auto">
+          <a:xfrm>
+            <a:off x="2739708" y="1321118"/>
+            <a:ext cx="6711950" cy="4214812"/>
+          </a:xfrm>
+          <a:prstGeom prst="roundRect">
+            <a:avLst>
+              <a:gd name="adj" fmla="val 16667"/>
+            </a:avLst>
+          </a:prstGeom>
+          <a:noFill/>
+          <a:ln w="28575">
+            <a:solidFill>
+              <a:srgbClr val="C0C0C0"/>
+            </a:solidFill>
+            <a:prstDash val="sysDot"/>
+            <a:round/>
+          </a:ln>
+          <a:extLst>
+            <a:ext uri="{909E8E84-426E-40DD-AFC4-6F175D3DCCD1}">
+              <a14:hiddenFill xmlns:a14="http://schemas.microsoft.com/office/drawing/2010/main">
+                <a:solidFill>
+                  <a:srgbClr val="FFFFFF"/>
+                </a:solidFill>
+              </a14:hiddenFill>
+            </a:ext>
+          </a:extLst>
+        </p:spPr>
+        <p:txBody>
+          <a:bodyPr wrap="none" anchor="ctr"/>
+          <a:lstStyle>
+            <a:lvl1pPr marL="457200" indent="-457200">
+              <a:defRPr sz="3200">
+                <a:solidFill>
+                  <a:schemeClr val="tx1"/>
+                </a:solidFill>
+                <a:latin typeface="Arial" panose="020B0604020202020204" pitchFamily="34" charset="0"/>
+                <a:ea typeface="微软雅黑" panose="020B0503020204020204" pitchFamily="34" charset="-122"/>
+              </a:defRPr>
+            </a:lvl1pPr>
+            <a:lvl2pPr marL="742950" indent="-285750">
+              <a:defRPr sz="3200">
+                <a:solidFill>
+                  <a:schemeClr val="tx1"/>
+                </a:solidFill>
+                <a:latin typeface="Arial" panose="020B0604020202020204" pitchFamily="34" charset="0"/>
+                <a:ea typeface="微软雅黑" panose="020B0503020204020204" pitchFamily="34" charset="-122"/>
+              </a:defRPr>
+            </a:lvl2pPr>
+            <a:lvl3pPr marL="1143000" indent="-228600">
+              <a:defRPr sz="3200">
+                <a:solidFill>
+                  <a:schemeClr val="tx1"/>
+                </a:solidFill>
+                <a:latin typeface="Arial" panose="020B0604020202020204" pitchFamily="34" charset="0"/>
+                <a:ea typeface="微软雅黑" panose="020B0503020204020204" pitchFamily="34" charset="-122"/>
+              </a:defRPr>
+            </a:lvl3pPr>
+            <a:lvl4pPr marL="1600200" indent="-228600">
+              <a:defRPr sz="3200">
+                <a:solidFill>
+                  <a:schemeClr val="tx1"/>
+                </a:solidFill>
+                <a:latin typeface="Arial" panose="020B0604020202020204" pitchFamily="34" charset="0"/>
+                <a:ea typeface="微软雅黑" panose="020B0503020204020204" pitchFamily="34" charset="-122"/>
+              </a:defRPr>
+            </a:lvl4pPr>
+            <a:lvl5pPr marL="2057400" indent="-228600">
+              <a:defRPr sz="3200">
+                <a:solidFill>
+                  <a:schemeClr val="tx1"/>
+                </a:solidFill>
+                <a:latin typeface="Arial" panose="020B0604020202020204" pitchFamily="34" charset="0"/>
+                <a:ea typeface="微软雅黑" panose="020B0503020204020204" pitchFamily="34" charset="-122"/>
+              </a:defRPr>
+            </a:lvl5pPr>
+            <a:lvl6pPr marL="2514600" indent="-228600" eaLnBrk="0" fontAlgn="base" hangingPunct="0">
+              <a:spcBef>
+                <a:spcPct val="0"/>
+              </a:spcBef>
+              <a:spcAft>
+                <a:spcPct val="0"/>
+              </a:spcAft>
+              <a:defRPr sz="3200">
+                <a:solidFill>
+                  <a:schemeClr val="tx1"/>
+                </a:solidFill>
+                <a:latin typeface="Arial" panose="020B0604020202020204" pitchFamily="34" charset="0"/>
+                <a:ea typeface="微软雅黑" panose="020B0503020204020204" pitchFamily="34" charset="-122"/>
+              </a:defRPr>
+            </a:lvl6pPr>
+            <a:lvl7pPr marL="2971800" indent="-228600" eaLnBrk="0" fontAlgn="base" hangingPunct="0">
+              <a:spcBef>
+                <a:spcPct val="0"/>
+              </a:spcBef>
+              <a:spcAft>
+                <a:spcPct val="0"/>
+              </a:spcAft>
+              <a:defRPr sz="3200">
+                <a:solidFill>
+                  <a:schemeClr val="tx1"/>
+                </a:solidFill>
+                <a:latin typeface="Arial" panose="020B0604020202020204" pitchFamily="34" charset="0"/>
+                <a:ea typeface="微软雅黑" panose="020B0503020204020204" pitchFamily="34" charset="-122"/>
+              </a:defRPr>
+            </a:lvl7pPr>
+            <a:lvl8pPr marL="3429000" indent="-228600" eaLnBrk="0" fontAlgn="base" hangingPunct="0">
+              <a:spcBef>
+                <a:spcPct val="0"/>
+              </a:spcBef>
+              <a:spcAft>
+                <a:spcPct val="0"/>
+              </a:spcAft>
+              <a:defRPr sz="3200">
+                <a:solidFill>
+                  <a:schemeClr val="tx1"/>
+                </a:solidFill>
+                <a:latin typeface="Arial" panose="020B0604020202020204" pitchFamily="34" charset="0"/>
+                <a:ea typeface="微软雅黑" panose="020B0503020204020204" pitchFamily="34" charset="-122"/>
+              </a:defRPr>
+            </a:lvl8pPr>
+            <a:lvl9pPr marL="3886200" indent="-228600" eaLnBrk="0" fontAlgn="base" hangingPunct="0">
+              <a:spcBef>
+                <a:spcPct val="0"/>
+              </a:spcBef>
+              <a:spcAft>
+                <a:spcPct val="0"/>
+              </a:spcAft>
+              <a:defRPr sz="3200">
+                <a:solidFill>
+                  <a:schemeClr val="tx1"/>
+                </a:solidFill>
+                <a:latin typeface="Arial" panose="020B0604020202020204" pitchFamily="34" charset="0"/>
+                <a:ea typeface="微软雅黑" panose="020B0503020204020204" pitchFamily="34" charset="-122"/>
+              </a:defRPr>
+            </a:lvl9pPr>
+          </a:lstStyle>
+          <a:p>
+            <a:pPr algn="l">
+              <a:lnSpc>
+                <a:spcPct val="150000"/>
+              </a:lnSpc>
+              <a:spcBef>
+                <a:spcPts val="1200"/>
+              </a:spcBef>
+              <a:spcAft>
+                <a:spcPts val="1200"/>
+              </a:spcAft>
+              <a:buClr>
+                <a:srgbClr val="92D050"/>
+              </a:buClr>
+              <a:buFont typeface="Wingdings" panose="05000000000000000000" pitchFamily="2" charset="2"/>
+              <a:buChar char="Ø"/>
+            </a:pPr>
+            <a:r>
+              <a:rPr lang="zh-CN" altLang="en-US" sz="2800" b="1">
+                <a:solidFill>
+                  <a:schemeClr val="accent3"/>
+                </a:solidFill>
+              </a:rPr>
+              <a:t>函数的定义与调用</a:t>
+            </a:r>
+            <a:endParaRPr lang="zh-CN" altLang="en-US" sz="2800" b="1">
+              <a:solidFill>
+                <a:schemeClr val="accent3"/>
+              </a:solidFill>
+            </a:endParaRPr>
+          </a:p>
+          <a:p>
+            <a:pPr algn="l">
+              <a:lnSpc>
+                <a:spcPct val="150000"/>
+              </a:lnSpc>
+              <a:spcBef>
+                <a:spcPts val="1200"/>
+              </a:spcBef>
+              <a:spcAft>
+                <a:spcPts val="1200"/>
+              </a:spcAft>
+              <a:buClr>
+                <a:srgbClr val="92D050"/>
+              </a:buClr>
+              <a:buFont typeface="Wingdings" panose="05000000000000000000" pitchFamily="2" charset="2"/>
+              <a:buChar char="Ø"/>
+            </a:pPr>
+            <a:r>
+              <a:rPr lang="zh-CN" altLang="en-US" sz="2800" b="1">
+                <a:solidFill>
+                  <a:schemeClr val="tx1"/>
+                </a:solidFill>
+              </a:rPr>
+              <a:t>函数参数的数量问题</a:t>
+            </a:r>
+            <a:endParaRPr lang="zh-CN" altLang="en-US" sz="2800" b="1">
+              <a:solidFill>
+                <a:schemeClr val="tx1"/>
+              </a:solidFill>
+            </a:endParaRPr>
+          </a:p>
+          <a:p>
+            <a:pPr algn="l">
+              <a:lnSpc>
+                <a:spcPct val="150000"/>
+              </a:lnSpc>
+              <a:spcBef>
+                <a:spcPts val="1200"/>
+              </a:spcBef>
+              <a:spcAft>
+                <a:spcPts val="1200"/>
+              </a:spcAft>
+              <a:buClr>
+                <a:srgbClr val="92D050"/>
+              </a:buClr>
+              <a:buFont typeface="Wingdings" panose="05000000000000000000" pitchFamily="2" charset="2"/>
+              <a:buChar char="Ø"/>
+            </a:pPr>
+            <a:r>
+              <a:rPr lang="zh-CN" altLang="en-US" sz="2800" b="1">
+                <a:solidFill>
+                  <a:schemeClr val="tx1"/>
+                </a:solidFill>
+                <a:sym typeface="+mn-ea"/>
+              </a:rPr>
+              <a:t>参数类型与传递方式（值、引用）</a:t>
+            </a:r>
+            <a:endParaRPr lang="zh-CN" altLang="en-US" sz="2800" b="1">
+              <a:solidFill>
+                <a:schemeClr val="tx1"/>
+              </a:solidFill>
+              <a:sym typeface="+mn-ea"/>
+            </a:endParaRPr>
+          </a:p>
+        </p:txBody>
+      </p:sp>
+      <p:sp>
+        <p:nvSpPr>
+          <p:cNvPr id="4" name="内容占位符 1"/>
+          <p:cNvSpPr txBox="1"/>
+          <p:nvPr/>
+        </p:nvSpPr>
+        <p:spPr>
+          <a:xfrm>
+            <a:off x="1090714" y="236943"/>
+            <a:ext cx="8191557" cy="490476"/>
+          </a:xfrm>
+          <a:prstGeom prst="rect">
+            <a:avLst/>
+          </a:prstGeom>
+        </p:spPr>
+        <p:txBody>
+          <a:bodyPr/>
+          <a:lstStyle>
+            <a:lvl1pPr marL="167005" indent="-167005" algn="l" defTabSz="0" rtl="0" eaLnBrk="0" fontAlgn="base" hangingPunct="0">
+              <a:spcBef>
+                <a:spcPct val="0"/>
+              </a:spcBef>
+              <a:spcAft>
+                <a:spcPct val="15000"/>
+              </a:spcAft>
+              <a:buClr>
+                <a:schemeClr val="tx2"/>
+              </a:buClr>
+              <a:buFont typeface="Arial" panose="020B0604020202020204" pitchFamily="34" charset="0"/>
+              <a:buChar char="•"/>
+              <a:defRPr kumimoji="1" sz="1600">
+                <a:solidFill>
+                  <a:srgbClr val="006F53"/>
+                </a:solidFill>
+                <a:latin typeface="微软雅黑" panose="020B0503020204020204" pitchFamily="34" charset="-122"/>
+                <a:ea typeface="微软雅黑" panose="020B0503020204020204" pitchFamily="34" charset="-122"/>
+                <a:cs typeface="微软雅黑" panose="020B0503020204020204" pitchFamily="34" charset="-122"/>
+              </a:defRPr>
+            </a:lvl1pPr>
+            <a:lvl2pPr marL="398780" indent="-230505" algn="l" defTabSz="0" rtl="0" eaLnBrk="0" fontAlgn="base" hangingPunct="0">
+              <a:spcBef>
+                <a:spcPct val="0"/>
+              </a:spcBef>
+              <a:spcAft>
+                <a:spcPct val="15000"/>
+              </a:spcAft>
+              <a:buClr>
+                <a:schemeClr val="tx2"/>
+              </a:buClr>
+              <a:buFont typeface="Arial" panose="020B0604020202020204" pitchFamily="34" charset="0"/>
+              <a:buChar char="–"/>
+              <a:defRPr kumimoji="1" sz="2800">
+                <a:solidFill>
+                  <a:schemeClr val="bg2"/>
+                </a:solidFill>
+                <a:latin typeface="微软雅黑" panose="020B0503020204020204" pitchFamily="34" charset="-122"/>
+                <a:ea typeface="微软雅黑" panose="020B0503020204020204" pitchFamily="34" charset="-122"/>
+                <a:cs typeface="微软雅黑" panose="020B0503020204020204" pitchFamily="34" charset="-122"/>
+              </a:defRPr>
+            </a:lvl2pPr>
+            <a:lvl3pPr marL="400050" indent="182880" algn="l" defTabSz="0" rtl="0" eaLnBrk="0" fontAlgn="base" hangingPunct="0">
+              <a:spcBef>
+                <a:spcPct val="0"/>
+              </a:spcBef>
+              <a:spcAft>
+                <a:spcPct val="15000"/>
+              </a:spcAft>
+              <a:buClr>
+                <a:schemeClr val="tx2"/>
+              </a:buClr>
+              <a:buFont typeface="Arial" panose="020B0604020202020204" pitchFamily="34" charset="0"/>
+              <a:buChar char="•"/>
+              <a:defRPr kumimoji="1" sz="1600">
+                <a:solidFill>
+                  <a:schemeClr val="bg2"/>
+                </a:solidFill>
+                <a:latin typeface="微软雅黑" panose="020B0503020204020204" pitchFamily="34" charset="-122"/>
+                <a:ea typeface="微软雅黑" panose="020B0503020204020204" pitchFamily="34" charset="-122"/>
+                <a:cs typeface="微软雅黑" panose="020B0503020204020204" pitchFamily="34" charset="-122"/>
+              </a:defRPr>
+            </a:lvl3pPr>
+            <a:lvl4pPr marL="825500" indent="-241300" algn="l" defTabSz="0" rtl="0" eaLnBrk="0" fontAlgn="base" hangingPunct="0">
+              <a:spcBef>
+                <a:spcPct val="0"/>
+              </a:spcBef>
+              <a:spcAft>
+                <a:spcPct val="15000"/>
+              </a:spcAft>
+              <a:buClr>
+                <a:schemeClr val="tx2"/>
+              </a:buClr>
+              <a:buFont typeface="Arial" panose="020B0604020202020204" pitchFamily="34" charset="0"/>
+              <a:buChar char="–"/>
+              <a:defRPr kumimoji="1" sz="1600">
+                <a:solidFill>
+                  <a:schemeClr val="bg2"/>
+                </a:solidFill>
+                <a:latin typeface="微软雅黑" panose="020B0503020204020204" pitchFamily="34" charset="-122"/>
+                <a:ea typeface="微软雅黑" panose="020B0503020204020204" pitchFamily="34" charset="-122"/>
+                <a:cs typeface="微软雅黑" panose="020B0503020204020204" pitchFamily="34" charset="-122"/>
+              </a:defRPr>
+            </a:lvl4pPr>
+            <a:lvl5pPr marL="2057400" indent="-228600" algn="l" defTabSz="0" rtl="0" eaLnBrk="0" fontAlgn="base" hangingPunct="0">
+              <a:spcBef>
+                <a:spcPct val="0"/>
+              </a:spcBef>
+              <a:spcAft>
+                <a:spcPct val="25000"/>
+              </a:spcAft>
+              <a:buClr>
+                <a:schemeClr val="tx2"/>
+              </a:buClr>
+              <a:buFont typeface="Arial" panose="020B0604020202020204" pitchFamily="34" charset="0"/>
+              <a:buChar char="–"/>
+              <a:defRPr kumimoji="1" sz="2000">
+                <a:solidFill>
+                  <a:schemeClr val="tx1"/>
+                </a:solidFill>
+                <a:latin typeface="+mn-lt"/>
+                <a:ea typeface="微软雅黑" panose="020B0503020204020204" pitchFamily="34" charset="-122"/>
+                <a:cs typeface="微软雅黑" panose="020B0503020204020204" pitchFamily="34" charset="-122"/>
+              </a:defRPr>
+            </a:lvl5pPr>
+            <a:lvl6pPr marL="2514600" indent="-228600" algn="l" defTabSz="0" rtl="0" eaLnBrk="0" fontAlgn="base" hangingPunct="0">
+              <a:spcBef>
+                <a:spcPct val="0"/>
+              </a:spcBef>
+              <a:spcAft>
+                <a:spcPct val="25000"/>
+              </a:spcAft>
+              <a:buClr>
+                <a:schemeClr val="tx2"/>
+              </a:buClr>
+              <a:buFont typeface="Arial" panose="020B0604020202020204" pitchFamily="34" charset="0"/>
+              <a:buChar char="–"/>
+              <a:defRPr>
+                <a:solidFill>
+                  <a:schemeClr val="tx1"/>
+                </a:solidFill>
+                <a:latin typeface="+mn-lt"/>
+              </a:defRPr>
+            </a:lvl6pPr>
+            <a:lvl7pPr marL="2971800" indent="-228600" algn="l" defTabSz="0" rtl="0" eaLnBrk="0" fontAlgn="base" hangingPunct="0">
+              <a:spcBef>
+                <a:spcPct val="0"/>
+              </a:spcBef>
+              <a:spcAft>
+                <a:spcPct val="25000"/>
+              </a:spcAft>
+              <a:buClr>
+                <a:schemeClr val="tx2"/>
+              </a:buClr>
+              <a:buFont typeface="Arial" panose="020B0604020202020204" pitchFamily="34" charset="0"/>
+              <a:buChar char="–"/>
+              <a:defRPr>
+                <a:solidFill>
+                  <a:schemeClr val="tx1"/>
+                </a:solidFill>
+                <a:latin typeface="+mn-lt"/>
+              </a:defRPr>
+            </a:lvl7pPr>
+            <a:lvl8pPr marL="3429000" indent="-228600" algn="l" defTabSz="0" rtl="0" eaLnBrk="0" fontAlgn="base" hangingPunct="0">
+              <a:spcBef>
+                <a:spcPct val="0"/>
+              </a:spcBef>
+              <a:spcAft>
+                <a:spcPct val="25000"/>
+              </a:spcAft>
+              <a:buClr>
+                <a:schemeClr val="tx2"/>
+              </a:buClr>
+              <a:buFont typeface="Arial" panose="020B0604020202020204" pitchFamily="34" charset="0"/>
+              <a:buChar char="–"/>
+              <a:defRPr>
+                <a:solidFill>
+                  <a:schemeClr val="tx1"/>
+                </a:solidFill>
+                <a:latin typeface="+mn-lt"/>
+              </a:defRPr>
+            </a:lvl8pPr>
+            <a:lvl9pPr marL="3886200" indent="-228600" algn="l" defTabSz="0" rtl="0" eaLnBrk="0" fontAlgn="base" hangingPunct="0">
+              <a:spcBef>
+                <a:spcPct val="0"/>
+              </a:spcBef>
+              <a:spcAft>
+                <a:spcPct val="25000"/>
+              </a:spcAft>
+              <a:buClr>
+                <a:schemeClr val="tx2"/>
+              </a:buClr>
+              <a:buFont typeface="Arial" panose="020B0604020202020204" pitchFamily="34" charset="0"/>
+              <a:buChar char="–"/>
+              <a:defRPr>
+                <a:solidFill>
+                  <a:schemeClr val="tx1"/>
+                </a:solidFill>
+                <a:latin typeface="+mn-lt"/>
+              </a:defRPr>
+            </a:lvl9pPr>
+          </a:lstStyle>
+          <a:p>
+            <a:pPr marL="0" indent="0">
+              <a:buNone/>
+            </a:pPr>
+            <a:r>
+              <a:rPr lang="zh-CN" altLang="en-US" sz="3200" dirty="0" smtClean="0">
+                <a:solidFill>
+                  <a:srgbClr val="C00000"/>
+                </a:solidFill>
+                <a:cs typeface="+mn-cs"/>
+              </a:rPr>
+              <a:t>内容提纲</a:t>
+            </a:r>
+            <a:endParaRPr lang="zh-CN" altLang="en-US" sz="3200" dirty="0">
+              <a:solidFill>
+                <a:srgbClr val="C00000"/>
+              </a:solidFill>
+              <a:cs typeface="+mn-cs"/>
+            </a:endParaRPr>
+          </a:p>
+        </p:txBody>
+      </p:sp>
+    </p:spTree>
+  </p:cSld>
+  <p:clrMapOvr>
+    <a:masterClrMapping/>
+  </p:clrMapOvr>
+  <p:timing>
+    <p:tnLst>
+      <p:par>
+        <p:cTn id="1" dur="indefinite" restart="never" nodeType="tmRoot"/>
+      </p:par>
+    </p:tnLst>
+  </p:timing>
+</p:sld>
+</file>
+
+<file path=ppt/slides/slide30.xml><?xml version="1.0" encoding="utf-8"?>
 <p:sld xmlns:a="http://schemas.openxmlformats.org/drawingml/2006/main" xmlns:r="http://schemas.openxmlformats.org/officeDocument/2006/relationships" xmlns:p="http://schemas.openxmlformats.org/presentationml/2006/main">
   <p:cSld>
     <p:spTree>
@@ -19060,7 +21106,7 @@
 </p:sld>
 </file>
 
-<file path=ppt/slides/slide29.xml><?xml version="1.0" encoding="utf-8"?>
+<file path=ppt/slides/slide31.xml><?xml version="1.0" encoding="utf-8"?>
 <p:sld xmlns:a="http://schemas.openxmlformats.org/drawingml/2006/main" xmlns:r="http://schemas.openxmlformats.org/officeDocument/2006/relationships" xmlns:p="http://schemas.openxmlformats.org/presentationml/2006/main">
   <p:cSld>
     <p:spTree>
@@ -19882,503 +21928,7 @@
 </p:sld>
 </file>
 
-<file path=ppt/slides/slide3.xml><?xml version="1.0" encoding="utf-8"?>
-<p:sld xmlns:a="http://schemas.openxmlformats.org/drawingml/2006/main" xmlns:r="http://schemas.openxmlformats.org/officeDocument/2006/relationships" xmlns:p="http://schemas.openxmlformats.org/presentationml/2006/main">
-  <p:cSld>
-    <p:spTree>
-      <p:nvGrpSpPr>
-        <p:cNvPr id="1" name=""/>
-        <p:cNvGrpSpPr/>
-        <p:nvPr/>
-      </p:nvGrpSpPr>
-      <p:grpSpPr>
-        <a:xfrm>
-          <a:off x="0" y="0"/>
-          <a:ext cx="0" cy="0"/>
-          <a:chOff x="0" y="0"/>
-          <a:chExt cx="0" cy="0"/>
-        </a:xfrm>
-      </p:grpSpPr>
-      <p:sp>
-        <p:nvSpPr>
-          <p:cNvPr id="6147" name="AutoShape 6"/>
-          <p:cNvSpPr>
-            <a:spLocks noChangeArrowheads="1"/>
-          </p:cNvSpPr>
-          <p:nvPr/>
-        </p:nvSpPr>
-        <p:spPr bwMode="auto">
-          <a:xfrm>
-            <a:off x="2739708" y="1321118"/>
-            <a:ext cx="6711950" cy="4214812"/>
-          </a:xfrm>
-          <a:prstGeom prst="roundRect">
-            <a:avLst>
-              <a:gd name="adj" fmla="val 16667"/>
-            </a:avLst>
-          </a:prstGeom>
-          <a:noFill/>
-          <a:ln w="28575">
-            <a:solidFill>
-              <a:srgbClr val="C0C0C0"/>
-            </a:solidFill>
-            <a:prstDash val="sysDot"/>
-            <a:round/>
-          </a:ln>
-          <a:extLst>
-            <a:ext uri="{909E8E84-426E-40DD-AFC4-6F175D3DCCD1}">
-              <a14:hiddenFill xmlns:a14="http://schemas.microsoft.com/office/drawing/2010/main">
-                <a:solidFill>
-                  <a:srgbClr val="FFFFFF"/>
-                </a:solidFill>
-              </a14:hiddenFill>
-            </a:ext>
-          </a:extLst>
-        </p:spPr>
-        <p:txBody>
-          <a:bodyPr wrap="none" anchor="ctr"/>
-          <a:lstStyle>
-            <a:lvl1pPr marL="457200" indent="-457200">
-              <a:defRPr sz="3200">
-                <a:solidFill>
-                  <a:schemeClr val="tx1"/>
-                </a:solidFill>
-                <a:latin typeface="Arial" panose="020B0604020202020204" pitchFamily="34" charset="0"/>
-                <a:ea typeface="微软雅黑" panose="020B0503020204020204" pitchFamily="34" charset="-122"/>
-              </a:defRPr>
-            </a:lvl1pPr>
-            <a:lvl2pPr marL="742950" indent="-285750">
-              <a:defRPr sz="3200">
-                <a:solidFill>
-                  <a:schemeClr val="tx1"/>
-                </a:solidFill>
-                <a:latin typeface="Arial" panose="020B0604020202020204" pitchFamily="34" charset="0"/>
-                <a:ea typeface="微软雅黑" panose="020B0503020204020204" pitchFamily="34" charset="-122"/>
-              </a:defRPr>
-            </a:lvl2pPr>
-            <a:lvl3pPr marL="1143000" indent="-228600">
-              <a:defRPr sz="3200">
-                <a:solidFill>
-                  <a:schemeClr val="tx1"/>
-                </a:solidFill>
-                <a:latin typeface="Arial" panose="020B0604020202020204" pitchFamily="34" charset="0"/>
-                <a:ea typeface="微软雅黑" panose="020B0503020204020204" pitchFamily="34" charset="-122"/>
-              </a:defRPr>
-            </a:lvl3pPr>
-            <a:lvl4pPr marL="1600200" indent="-228600">
-              <a:defRPr sz="3200">
-                <a:solidFill>
-                  <a:schemeClr val="tx1"/>
-                </a:solidFill>
-                <a:latin typeface="Arial" panose="020B0604020202020204" pitchFamily="34" charset="0"/>
-                <a:ea typeface="微软雅黑" panose="020B0503020204020204" pitchFamily="34" charset="-122"/>
-              </a:defRPr>
-            </a:lvl4pPr>
-            <a:lvl5pPr marL="2057400" indent="-228600">
-              <a:defRPr sz="3200">
-                <a:solidFill>
-                  <a:schemeClr val="tx1"/>
-                </a:solidFill>
-                <a:latin typeface="Arial" panose="020B0604020202020204" pitchFamily="34" charset="0"/>
-                <a:ea typeface="微软雅黑" panose="020B0503020204020204" pitchFamily="34" charset="-122"/>
-              </a:defRPr>
-            </a:lvl5pPr>
-            <a:lvl6pPr marL="2514600" indent="-228600" eaLnBrk="0" fontAlgn="base" hangingPunct="0">
-              <a:spcBef>
-                <a:spcPct val="0"/>
-              </a:spcBef>
-              <a:spcAft>
-                <a:spcPct val="0"/>
-              </a:spcAft>
-              <a:defRPr sz="3200">
-                <a:solidFill>
-                  <a:schemeClr val="tx1"/>
-                </a:solidFill>
-                <a:latin typeface="Arial" panose="020B0604020202020204" pitchFamily="34" charset="0"/>
-                <a:ea typeface="微软雅黑" panose="020B0503020204020204" pitchFamily="34" charset="-122"/>
-              </a:defRPr>
-            </a:lvl6pPr>
-            <a:lvl7pPr marL="2971800" indent="-228600" eaLnBrk="0" fontAlgn="base" hangingPunct="0">
-              <a:spcBef>
-                <a:spcPct val="0"/>
-              </a:spcBef>
-              <a:spcAft>
-                <a:spcPct val="0"/>
-              </a:spcAft>
-              <a:defRPr sz="3200">
-                <a:solidFill>
-                  <a:schemeClr val="tx1"/>
-                </a:solidFill>
-                <a:latin typeface="Arial" panose="020B0604020202020204" pitchFamily="34" charset="0"/>
-                <a:ea typeface="微软雅黑" panose="020B0503020204020204" pitchFamily="34" charset="-122"/>
-              </a:defRPr>
-            </a:lvl7pPr>
-            <a:lvl8pPr marL="3429000" indent="-228600" eaLnBrk="0" fontAlgn="base" hangingPunct="0">
-              <a:spcBef>
-                <a:spcPct val="0"/>
-              </a:spcBef>
-              <a:spcAft>
-                <a:spcPct val="0"/>
-              </a:spcAft>
-              <a:defRPr sz="3200">
-                <a:solidFill>
-                  <a:schemeClr val="tx1"/>
-                </a:solidFill>
-                <a:latin typeface="Arial" panose="020B0604020202020204" pitchFamily="34" charset="0"/>
-                <a:ea typeface="微软雅黑" panose="020B0503020204020204" pitchFamily="34" charset="-122"/>
-              </a:defRPr>
-            </a:lvl8pPr>
-            <a:lvl9pPr marL="3886200" indent="-228600" eaLnBrk="0" fontAlgn="base" hangingPunct="0">
-              <a:spcBef>
-                <a:spcPct val="0"/>
-              </a:spcBef>
-              <a:spcAft>
-                <a:spcPct val="0"/>
-              </a:spcAft>
-              <a:defRPr sz="3200">
-                <a:solidFill>
-                  <a:schemeClr val="tx1"/>
-                </a:solidFill>
-                <a:latin typeface="Arial" panose="020B0604020202020204" pitchFamily="34" charset="0"/>
-                <a:ea typeface="微软雅黑" panose="020B0503020204020204" pitchFamily="34" charset="-122"/>
-              </a:defRPr>
-            </a:lvl9pPr>
-          </a:lstStyle>
-          <a:p>
-            <a:pPr algn="l">
-              <a:lnSpc>
-                <a:spcPct val="150000"/>
-              </a:lnSpc>
-              <a:spcBef>
-                <a:spcPts val="1200"/>
-              </a:spcBef>
-              <a:spcAft>
-                <a:spcPts val="1200"/>
-              </a:spcAft>
-              <a:buClr>
-                <a:srgbClr val="92D050"/>
-              </a:buClr>
-              <a:buFont typeface="Wingdings" panose="05000000000000000000" pitchFamily="2" charset="2"/>
-              <a:buChar char="Ø"/>
-            </a:pPr>
-            <a:r>
-              <a:rPr lang="zh-CN" altLang="en-US" sz="2800" b="1">
-                <a:solidFill>
-                  <a:schemeClr val="accent3"/>
-                </a:solidFill>
-              </a:rPr>
-              <a:t>函数的定义与调用</a:t>
-            </a:r>
-            <a:endParaRPr lang="zh-CN" altLang="en-US" sz="2800" b="1">
-              <a:solidFill>
-                <a:schemeClr val="accent3"/>
-              </a:solidFill>
-            </a:endParaRPr>
-          </a:p>
-          <a:p>
-            <a:pPr algn="l">
-              <a:lnSpc>
-                <a:spcPct val="150000"/>
-              </a:lnSpc>
-              <a:spcBef>
-                <a:spcPts val="1200"/>
-              </a:spcBef>
-              <a:spcAft>
-                <a:spcPts val="1200"/>
-              </a:spcAft>
-              <a:buClr>
-                <a:srgbClr val="92D050"/>
-              </a:buClr>
-              <a:buFont typeface="Wingdings" panose="05000000000000000000" pitchFamily="2" charset="2"/>
-              <a:buChar char="Ø"/>
-            </a:pPr>
-            <a:r>
-              <a:rPr lang="zh-CN" altLang="en-US" sz="2800" b="1">
-                <a:solidFill>
-                  <a:schemeClr val="tx1"/>
-                </a:solidFill>
-              </a:rPr>
-              <a:t>函数参数的数量问题</a:t>
-            </a:r>
-            <a:endParaRPr lang="zh-CN" altLang="en-US" sz="2800" b="1">
-              <a:solidFill>
-                <a:schemeClr val="tx1"/>
-              </a:solidFill>
-            </a:endParaRPr>
-          </a:p>
-          <a:p>
-            <a:pPr algn="l">
-              <a:lnSpc>
-                <a:spcPct val="150000"/>
-              </a:lnSpc>
-              <a:spcBef>
-                <a:spcPts val="1200"/>
-              </a:spcBef>
-              <a:spcAft>
-                <a:spcPts val="1200"/>
-              </a:spcAft>
-              <a:buClr>
-                <a:srgbClr val="92D050"/>
-              </a:buClr>
-              <a:buFont typeface="Wingdings" panose="05000000000000000000" pitchFamily="2" charset="2"/>
-              <a:buChar char="Ø"/>
-            </a:pPr>
-            <a:r>
-              <a:rPr lang="zh-CN" altLang="en-US" sz="2800" b="1">
-                <a:solidFill>
-                  <a:schemeClr val="tx1"/>
-                </a:solidFill>
-                <a:sym typeface="+mn-ea"/>
-              </a:rPr>
-              <a:t>参数类型与传递方式（值、引用）</a:t>
-            </a:r>
-            <a:endParaRPr lang="zh-CN" altLang="en-US" sz="2800" b="1">
-              <a:solidFill>
-                <a:schemeClr val="tx1"/>
-              </a:solidFill>
-              <a:sym typeface="+mn-ea"/>
-            </a:endParaRPr>
-          </a:p>
-        </p:txBody>
-      </p:sp>
-      <p:sp>
-        <p:nvSpPr>
-          <p:cNvPr id="4" name="内容占位符 1"/>
-          <p:cNvSpPr txBox="1"/>
-          <p:nvPr/>
-        </p:nvSpPr>
-        <p:spPr>
-          <a:xfrm>
-            <a:off x="1090714" y="236943"/>
-            <a:ext cx="8191557" cy="490476"/>
-          </a:xfrm>
-          <a:prstGeom prst="rect">
-            <a:avLst/>
-          </a:prstGeom>
-        </p:spPr>
-        <p:txBody>
-          <a:bodyPr/>
-          <a:lstStyle>
-            <a:lvl1pPr marL="167005" indent="-167005" algn="l" defTabSz="0" rtl="0" eaLnBrk="0" fontAlgn="base" hangingPunct="0">
-              <a:spcBef>
-                <a:spcPct val="0"/>
-              </a:spcBef>
-              <a:spcAft>
-                <a:spcPct val="15000"/>
-              </a:spcAft>
-              <a:buClr>
-                <a:schemeClr val="tx2"/>
-              </a:buClr>
-              <a:buFont typeface="Arial" panose="020B0604020202020204" pitchFamily="34" charset="0"/>
-              <a:buChar char="•"/>
-              <a:defRPr kumimoji="1" sz="1600">
-                <a:solidFill>
-                  <a:srgbClr val="006F53"/>
-                </a:solidFill>
-                <a:latin typeface="微软雅黑" panose="020B0503020204020204" pitchFamily="34" charset="-122"/>
-                <a:ea typeface="微软雅黑" panose="020B0503020204020204" pitchFamily="34" charset="-122"/>
-                <a:cs typeface="微软雅黑" panose="020B0503020204020204" pitchFamily="34" charset="-122"/>
-              </a:defRPr>
-            </a:lvl1pPr>
-            <a:lvl2pPr marL="398780" indent="-230505" algn="l" defTabSz="0" rtl="0" eaLnBrk="0" fontAlgn="base" hangingPunct="0">
-              <a:spcBef>
-                <a:spcPct val="0"/>
-              </a:spcBef>
-              <a:spcAft>
-                <a:spcPct val="15000"/>
-              </a:spcAft>
-              <a:buClr>
-                <a:schemeClr val="tx2"/>
-              </a:buClr>
-              <a:buFont typeface="Arial" panose="020B0604020202020204" pitchFamily="34" charset="0"/>
-              <a:buChar char="–"/>
-              <a:defRPr kumimoji="1" sz="2800">
-                <a:solidFill>
-                  <a:schemeClr val="bg2"/>
-                </a:solidFill>
-                <a:latin typeface="微软雅黑" panose="020B0503020204020204" pitchFamily="34" charset="-122"/>
-                <a:ea typeface="微软雅黑" panose="020B0503020204020204" pitchFamily="34" charset="-122"/>
-                <a:cs typeface="微软雅黑" panose="020B0503020204020204" pitchFamily="34" charset="-122"/>
-              </a:defRPr>
-            </a:lvl2pPr>
-            <a:lvl3pPr marL="400050" indent="182880" algn="l" defTabSz="0" rtl="0" eaLnBrk="0" fontAlgn="base" hangingPunct="0">
-              <a:spcBef>
-                <a:spcPct val="0"/>
-              </a:spcBef>
-              <a:spcAft>
-                <a:spcPct val="15000"/>
-              </a:spcAft>
-              <a:buClr>
-                <a:schemeClr val="tx2"/>
-              </a:buClr>
-              <a:buFont typeface="Arial" panose="020B0604020202020204" pitchFamily="34" charset="0"/>
-              <a:buChar char="•"/>
-              <a:defRPr kumimoji="1" sz="1600">
-                <a:solidFill>
-                  <a:schemeClr val="bg2"/>
-                </a:solidFill>
-                <a:latin typeface="微软雅黑" panose="020B0503020204020204" pitchFamily="34" charset="-122"/>
-                <a:ea typeface="微软雅黑" panose="020B0503020204020204" pitchFamily="34" charset="-122"/>
-                <a:cs typeface="微软雅黑" panose="020B0503020204020204" pitchFamily="34" charset="-122"/>
-              </a:defRPr>
-            </a:lvl3pPr>
-            <a:lvl4pPr marL="825500" indent="-241300" algn="l" defTabSz="0" rtl="0" eaLnBrk="0" fontAlgn="base" hangingPunct="0">
-              <a:spcBef>
-                <a:spcPct val="0"/>
-              </a:spcBef>
-              <a:spcAft>
-                <a:spcPct val="15000"/>
-              </a:spcAft>
-              <a:buClr>
-                <a:schemeClr val="tx2"/>
-              </a:buClr>
-              <a:buFont typeface="Arial" panose="020B0604020202020204" pitchFamily="34" charset="0"/>
-              <a:buChar char="–"/>
-              <a:defRPr kumimoji="1" sz="1600">
-                <a:solidFill>
-                  <a:schemeClr val="bg2"/>
-                </a:solidFill>
-                <a:latin typeface="微软雅黑" panose="020B0503020204020204" pitchFamily="34" charset="-122"/>
-                <a:ea typeface="微软雅黑" panose="020B0503020204020204" pitchFamily="34" charset="-122"/>
-                <a:cs typeface="微软雅黑" panose="020B0503020204020204" pitchFamily="34" charset="-122"/>
-              </a:defRPr>
-            </a:lvl4pPr>
-            <a:lvl5pPr marL="2057400" indent="-228600" algn="l" defTabSz="0" rtl="0" eaLnBrk="0" fontAlgn="base" hangingPunct="0">
-              <a:spcBef>
-                <a:spcPct val="0"/>
-              </a:spcBef>
-              <a:spcAft>
-                <a:spcPct val="25000"/>
-              </a:spcAft>
-              <a:buClr>
-                <a:schemeClr val="tx2"/>
-              </a:buClr>
-              <a:buFont typeface="Arial" panose="020B0604020202020204" pitchFamily="34" charset="0"/>
-              <a:buChar char="–"/>
-              <a:defRPr kumimoji="1" sz="2000">
-                <a:solidFill>
-                  <a:schemeClr val="tx1"/>
-                </a:solidFill>
-                <a:latin typeface="+mn-lt"/>
-                <a:ea typeface="微软雅黑" panose="020B0503020204020204" pitchFamily="34" charset="-122"/>
-                <a:cs typeface="微软雅黑" panose="020B0503020204020204" pitchFamily="34" charset="-122"/>
-              </a:defRPr>
-            </a:lvl5pPr>
-            <a:lvl6pPr marL="2514600" indent="-228600" algn="l" defTabSz="0" rtl="0" eaLnBrk="0" fontAlgn="base" hangingPunct="0">
-              <a:spcBef>
-                <a:spcPct val="0"/>
-              </a:spcBef>
-              <a:spcAft>
-                <a:spcPct val="25000"/>
-              </a:spcAft>
-              <a:buClr>
-                <a:schemeClr val="tx2"/>
-              </a:buClr>
-              <a:buFont typeface="Arial" panose="020B0604020202020204" pitchFamily="34" charset="0"/>
-              <a:buChar char="–"/>
-              <a:defRPr>
-                <a:solidFill>
-                  <a:schemeClr val="tx1"/>
-                </a:solidFill>
-                <a:latin typeface="+mn-lt"/>
-              </a:defRPr>
-            </a:lvl6pPr>
-            <a:lvl7pPr marL="2971800" indent="-228600" algn="l" defTabSz="0" rtl="0" eaLnBrk="0" fontAlgn="base" hangingPunct="0">
-              <a:spcBef>
-                <a:spcPct val="0"/>
-              </a:spcBef>
-              <a:spcAft>
-                <a:spcPct val="25000"/>
-              </a:spcAft>
-              <a:buClr>
-                <a:schemeClr val="tx2"/>
-              </a:buClr>
-              <a:buFont typeface="Arial" panose="020B0604020202020204" pitchFamily="34" charset="0"/>
-              <a:buChar char="–"/>
-              <a:defRPr>
-                <a:solidFill>
-                  <a:schemeClr val="tx1"/>
-                </a:solidFill>
-                <a:latin typeface="+mn-lt"/>
-              </a:defRPr>
-            </a:lvl7pPr>
-            <a:lvl8pPr marL="3429000" indent="-228600" algn="l" defTabSz="0" rtl="0" eaLnBrk="0" fontAlgn="base" hangingPunct="0">
-              <a:spcBef>
-                <a:spcPct val="0"/>
-              </a:spcBef>
-              <a:spcAft>
-                <a:spcPct val="25000"/>
-              </a:spcAft>
-              <a:buClr>
-                <a:schemeClr val="tx2"/>
-              </a:buClr>
-              <a:buFont typeface="Arial" panose="020B0604020202020204" pitchFamily="34" charset="0"/>
-              <a:buChar char="–"/>
-              <a:defRPr>
-                <a:solidFill>
-                  <a:schemeClr val="tx1"/>
-                </a:solidFill>
-                <a:latin typeface="+mn-lt"/>
-              </a:defRPr>
-            </a:lvl8pPr>
-            <a:lvl9pPr marL="3886200" indent="-228600" algn="l" defTabSz="0" rtl="0" eaLnBrk="0" fontAlgn="base" hangingPunct="0">
-              <a:spcBef>
-                <a:spcPct val="0"/>
-              </a:spcBef>
-              <a:spcAft>
-                <a:spcPct val="25000"/>
-              </a:spcAft>
-              <a:buClr>
-                <a:schemeClr val="tx2"/>
-              </a:buClr>
-              <a:buFont typeface="Arial" panose="020B0604020202020204" pitchFamily="34" charset="0"/>
-              <a:buChar char="–"/>
-              <a:defRPr>
-                <a:solidFill>
-                  <a:schemeClr val="tx1"/>
-                </a:solidFill>
-                <a:latin typeface="+mn-lt"/>
-              </a:defRPr>
-            </a:lvl9pPr>
-          </a:lstStyle>
-          <a:p>
-            <a:pPr marL="0" indent="0">
-              <a:buNone/>
-            </a:pPr>
-            <a:r>
-              <a:rPr lang="zh-CN" altLang="en-US" sz="3200" dirty="0" smtClean="0">
-                <a:solidFill>
-                  <a:srgbClr val="C00000"/>
-                </a:solidFill>
-                <a:cs typeface="+mn-cs"/>
-              </a:rPr>
-              <a:t>内容提纲</a:t>
-            </a:r>
-            <a:endParaRPr lang="zh-CN" altLang="en-US" sz="3200" dirty="0">
-              <a:solidFill>
-                <a:srgbClr val="C00000"/>
-              </a:solidFill>
-              <a:cs typeface="+mn-cs"/>
-            </a:endParaRPr>
-          </a:p>
-        </p:txBody>
-      </p:sp>
-    </p:spTree>
-  </p:cSld>
-  <p:clrMapOvr>
-    <a:masterClrMapping/>
-  </p:clrMapOvr>
-  <p:timing>
-    <p:tnLst>
-      <p:par>
-        <p:cTn id="1" dur="indefinite" restart="never" nodeType="tmRoot"/>
-      </p:par>
-    </p:tnLst>
-  </p:timing>
-</p:sld>
-</file>
-
-<file path=ppt/slides/slide30.xml><?xml version="1.0" encoding="utf-8"?>
+<file path=ppt/slides/slide32.xml><?xml version="1.0" encoding="utf-8"?>
 <p:sld xmlns:a="http://schemas.openxmlformats.org/drawingml/2006/main" xmlns:r="http://schemas.openxmlformats.org/officeDocument/2006/relationships" xmlns:p="http://schemas.openxmlformats.org/presentationml/2006/main">
   <p:cSld>
     <p:spTree>
@@ -20872,7 +22422,7 @@
 </p:sld>
 </file>
 
-<file path=ppt/slides/slide31.xml><?xml version="1.0" encoding="utf-8"?>
+<file path=ppt/slides/slide33.xml><?xml version="1.0" encoding="utf-8"?>
 <p:sld xmlns:a="http://schemas.openxmlformats.org/drawingml/2006/main" xmlns:r="http://schemas.openxmlformats.org/officeDocument/2006/relationships" xmlns:p="http://schemas.openxmlformats.org/presentationml/2006/main">
   <p:cSld>
     <p:spTree>
@@ -21847,7 +23397,7 @@
 </p:sld>
 </file>
 
-<file path=ppt/slides/slide32.xml><?xml version="1.0" encoding="utf-8"?>
+<file path=ppt/slides/slide34.xml><?xml version="1.0" encoding="utf-8"?>
 <p:sld xmlns:a="http://schemas.openxmlformats.org/drawingml/2006/main" xmlns:r="http://schemas.openxmlformats.org/officeDocument/2006/relationships" xmlns:p="http://schemas.openxmlformats.org/presentationml/2006/main">
   <p:cSld>
     <p:spTree>
@@ -23220,7 +24770,7 @@
 </p:sld>
 </file>
 
-<file path=ppt/slides/slide33.xml><?xml version="1.0" encoding="utf-8"?>
+<file path=ppt/slides/slide35.xml><?xml version="1.0" encoding="utf-8"?>
 <p:sld xmlns:a="http://schemas.openxmlformats.org/drawingml/2006/main" xmlns:r="http://schemas.openxmlformats.org/officeDocument/2006/relationships" xmlns:p="http://schemas.openxmlformats.org/presentationml/2006/main">
   <p:cSld>
     <p:spTree>
@@ -23714,7 +25264,7 @@
 </p:sld>
 </file>
 
-<file path=ppt/slides/slide34.xml><?xml version="1.0" encoding="utf-8"?>
+<file path=ppt/slides/slide36.xml><?xml version="1.0" encoding="utf-8"?>
 <p:sld xmlns:a="http://schemas.openxmlformats.org/drawingml/2006/main" xmlns:r="http://schemas.openxmlformats.org/officeDocument/2006/relationships" xmlns:p="http://schemas.openxmlformats.org/presentationml/2006/main">
   <p:cSld>
     <p:spTree>
@@ -23918,7 +25468,7 @@
 </p:sld>
 </file>
 
-<file path=ppt/slides/slide35.xml><?xml version="1.0" encoding="utf-8"?>
+<file path=ppt/slides/slide37.xml><?xml version="1.0" encoding="utf-8"?>
 <p:sld xmlns:a="http://schemas.openxmlformats.org/drawingml/2006/main" xmlns:r="http://schemas.openxmlformats.org/officeDocument/2006/relationships" xmlns:p="http://schemas.openxmlformats.org/presentationml/2006/main">
   <p:cSld>
     <p:spTree>

--- a/课程PPT/04.JavaScript函数进阶一.pptx
+++ b/课程PPT/04.JavaScript函数进阶一.pptx
@@ -12642,6 +12642,15 @@
               </a:rPr>
               <a:t>arguments</a:t>
             </a:r>
+            <a:r>
+              <a:rPr lang="zh-CN" altLang="en-US" sz="2000" dirty="0" smtClean="0">
+                <a:solidFill>
+                  <a:srgbClr val="000000"/>
+                </a:solidFill>
+                <a:sym typeface="+mn-ea"/>
+              </a:rPr>
+              <a:t>（隐藏的局部变量）</a:t>
+            </a:r>
             <a:br>
               <a:rPr lang="en-US" altLang="zh-CN" sz="2000" dirty="0" smtClean="0">
                 <a:solidFill>
@@ -12676,6 +12685,33 @@
                 <a:sym typeface="+mn-ea"/>
               </a:rPr>
               <a:t>callee</a:t>
+            </a:r>
+            <a:r>
+              <a:rPr lang="zh-CN" altLang="en-US" sz="2000" dirty="0" smtClean="0">
+                <a:solidFill>
+                  <a:srgbClr val="000000"/>
+                </a:solidFill>
+                <a:sym typeface="+mn-ea"/>
+              </a:rPr>
+              <a:t>（</a:t>
+            </a:r>
+            <a:r>
+              <a:rPr lang="en-US" altLang="zh-CN" sz="2000" dirty="0" smtClean="0">
+                <a:solidFill>
+                  <a:srgbClr val="000000"/>
+                </a:solidFill>
+                <a:sym typeface="+mn-ea"/>
+              </a:rPr>
+              <a:t>arguments</a:t>
+            </a:r>
+            <a:r>
+              <a:rPr lang="zh-CN" altLang="en-US" sz="2000" dirty="0" smtClean="0">
+                <a:solidFill>
+                  <a:srgbClr val="000000"/>
+                </a:solidFill>
+                <a:sym typeface="+mn-ea"/>
+              </a:rPr>
+              <a:t>的属性，常用于递归调用）</a:t>
             </a:r>
             <a:br>
               <a:rPr lang="en-US" altLang="zh-CN" sz="2000" dirty="0" smtClean="0">
